--- a/Heart Disease Project.pptx
+++ b/Heart Disease Project.pptx
@@ -5,10 +5,10 @@
     <p:sldMasterId id="2147483648" r:id="rId1"/>
   </p:sldMasterIdLst>
   <p:notesMasterIdLst>
-    <p:notesMasterId r:id="rId30"/>
+    <p:notesMasterId r:id="rId26"/>
   </p:notesMasterIdLst>
   <p:handoutMasterIdLst>
-    <p:handoutMasterId r:id="rId31"/>
+    <p:handoutMasterId r:id="rId27"/>
   </p:handoutMasterIdLst>
   <p:sldIdLst>
     <p:sldId id="274" r:id="rId2"/>
@@ -35,10 +35,6 @@
     <p:sldId id="290" r:id="rId23"/>
     <p:sldId id="307" r:id="rId24"/>
     <p:sldId id="305" r:id="rId25"/>
-    <p:sldId id="271" r:id="rId26"/>
-    <p:sldId id="298" r:id="rId27"/>
-    <p:sldId id="276" r:id="rId28"/>
-    <p:sldId id="285" r:id="rId29"/>
   </p:sldIdLst>
   <p:sldSz cx="12192000" cy="6858000"/>
   <p:notesSz cx="6881813" cy="9661525"/>
@@ -241,7 +237,7 @@
           <a:p>
             <a:fld id="{043B725B-653D-4166-A8E9-72A38A1847CF}" type="datetimeFigureOut">
               <a:rPr lang="en-US"/>
-              <a:t>8/7/2020</a:t>
+              <a:t>12/1/2020</a:t>
             </a:fld>
             <a:endParaRPr/>
           </a:p>
@@ -406,7 +402,7 @@
           <a:p>
             <a:fld id="{783F64CD-0576-4A9A-BD06-7889D6E60BDC}" type="datetimeFigureOut">
               <a:rPr lang="en-US"/>
-              <a:t>8/7/2020</a:t>
+              <a:t>12/1/2020</a:t>
             </a:fld>
             <a:endParaRPr/>
           </a:p>
@@ -1004,7 +1000,7 @@
           <a:p>
             <a:fld id="{37CC0096-1860-4642-9CD2-0079EA5E7CD1}" type="datetimeFigureOut">
               <a:rPr lang="en-US"/>
-              <a:t>8/7/2020</a:t>
+              <a:t>12/1/2020</a:t>
             </a:fld>
             <a:endParaRPr/>
           </a:p>
@@ -1253,7 +1249,7 @@
           <a:p>
             <a:fld id="{37CC0096-1860-4642-9CD2-0079EA5E7CD1}" type="datetimeFigureOut">
               <a:rPr lang="en-US"/>
-              <a:t>8/7/2020</a:t>
+              <a:t>12/1/2020</a:t>
             </a:fld>
             <a:endParaRPr/>
           </a:p>
@@ -1439,7 +1435,7 @@
           <a:p>
             <a:fld id="{37CC0096-1860-4642-9CD2-0079EA5E7CD1}" type="datetimeFigureOut">
               <a:rPr lang="en-US"/>
-              <a:t>8/7/2020</a:t>
+              <a:t>12/1/2020</a:t>
             </a:fld>
             <a:endParaRPr/>
           </a:p>
@@ -1970,7 +1966,7 @@
           <a:p>
             <a:fld id="{37CC0096-1860-4642-9CD2-0079EA5E7CD1}" type="datetimeFigureOut">
               <a:rPr lang="en-US"/>
-              <a:t>8/7/2020</a:t>
+              <a:t>12/1/2020</a:t>
             </a:fld>
             <a:endParaRPr/>
           </a:p>
@@ -2422,7 +2418,7 @@
           <a:p>
             <a:fld id="{37CC0096-1860-4642-9CD2-0079EA5E7CD1}" type="datetimeFigureOut">
               <a:rPr lang="en-US"/>
-              <a:t>8/7/2020</a:t>
+              <a:t>12/1/2020</a:t>
             </a:fld>
             <a:endParaRPr/>
           </a:p>
@@ -2552,7 +2548,7 @@
           <a:p>
             <a:fld id="{37CC0096-1860-4642-9CD2-0079EA5E7CD1}" type="datetimeFigureOut">
               <a:rPr lang="en-US"/>
-              <a:t>8/7/2020</a:t>
+              <a:t>12/1/2020</a:t>
             </a:fld>
             <a:endParaRPr/>
           </a:p>
@@ -2659,7 +2655,7 @@
           <a:p>
             <a:fld id="{37CC0096-1860-4642-9CD2-0079EA5E7CD1}" type="datetimeFigureOut">
               <a:rPr lang="en-US"/>
-              <a:t>8/7/2020</a:t>
+              <a:t>12/1/2020</a:t>
             </a:fld>
             <a:endParaRPr/>
           </a:p>
@@ -3648,7 +3644,7 @@
             <a:fld id="{37CC0096-1860-4642-9CD2-0079EA5E7CD1}" type="datetimeFigureOut">
               <a:rPr lang="en-US" smtClean="0"/>
               <a:pPr/>
-              <a:t>8/7/2020</a:t>
+              <a:t>12/1/2020</a:t>
             </a:fld>
             <a:endParaRPr lang="en-US" dirty="0"/>
           </a:p>
@@ -15134,5053 +15130,6 @@
     <p:extLst>
       <p:ext uri="{BB962C8B-B14F-4D97-AF65-F5344CB8AC3E}">
         <p14:creationId xmlns:p14="http://schemas.microsoft.com/office/powerpoint/2010/main" val="941045588"/>
-      </p:ext>
-    </p:extLst>
-  </p:cSld>
-  <p:clrMapOvr>
-    <a:masterClrMapping/>
-  </p:clrMapOvr>
-  <mc:AlternateContent xmlns:mc="http://schemas.openxmlformats.org/markup-compatibility/2006" xmlns:p14="http://schemas.microsoft.com/office/powerpoint/2010/main">
-    <mc:Choice Requires="p14">
-      <p:transition spd="med" p14:dur="700">
-        <p:fade/>
-      </p:transition>
-    </mc:Choice>
-    <mc:Fallback xmlns="">
-      <p:transition spd="med">
-        <p:fade/>
-      </p:transition>
-    </mc:Fallback>
-  </mc:AlternateContent>
-</p:sld>
-</file>
-
-<file path=ppt/slides/slide25.xml><?xml version="1.0" encoding="utf-8"?>
-<p:sld xmlns:a="http://schemas.openxmlformats.org/drawingml/2006/main" xmlns:r="http://schemas.openxmlformats.org/officeDocument/2006/relationships" xmlns:p="http://schemas.openxmlformats.org/presentationml/2006/main">
-  <p:cSld>
-    <p:spTree>
-      <p:nvGrpSpPr>
-        <p:cNvPr id="1" name=""/>
-        <p:cNvGrpSpPr/>
-        <p:nvPr/>
-      </p:nvGrpSpPr>
-      <p:grpSpPr>
-        <a:xfrm>
-          <a:off x="0" y="0"/>
-          <a:ext cx="0" cy="0"/>
-          <a:chOff x="0" y="0"/>
-          <a:chExt cx="0" cy="0"/>
-        </a:xfrm>
-      </p:grpSpPr>
-      <p:pic>
-        <p:nvPicPr>
-          <p:cNvPr id="2" name="Picture 1">
-            <a:extLst>
-              <a:ext uri="{FF2B5EF4-FFF2-40B4-BE49-F238E27FC236}">
-                <a16:creationId xmlns:a16="http://schemas.microsoft.com/office/drawing/2014/main" id="{321376CE-DE58-43AA-8493-4F2A303BD1FB}"/>
-              </a:ext>
-            </a:extLst>
-          </p:cNvPr>
-          <p:cNvPicPr>
-            <a:picLocks noChangeAspect="1"/>
-          </p:cNvPicPr>
-          <p:nvPr/>
-        </p:nvPicPr>
-        <p:blipFill>
-          <a:blip r:embed="rId2"/>
-          <a:stretch>
-            <a:fillRect/>
-          </a:stretch>
-        </p:blipFill>
-        <p:spPr>
-          <a:xfrm>
-            <a:off x="4591050" y="2581275"/>
-            <a:ext cx="3009900" cy="1695450"/>
-          </a:xfrm>
-          <a:prstGeom prst="rect">
-            <a:avLst/>
-          </a:prstGeom>
-        </p:spPr>
-      </p:pic>
-      <p:pic>
-        <p:nvPicPr>
-          <p:cNvPr id="3" name="Picture 2">
-            <a:extLst>
-              <a:ext uri="{FF2B5EF4-FFF2-40B4-BE49-F238E27FC236}">
-                <a16:creationId xmlns:a16="http://schemas.microsoft.com/office/drawing/2014/main" id="{54E62E70-C493-4AF1-8216-E7BEC0E18493}"/>
-              </a:ext>
-            </a:extLst>
-          </p:cNvPr>
-          <p:cNvPicPr>
-            <a:picLocks noChangeAspect="1"/>
-          </p:cNvPicPr>
-          <p:nvPr/>
-        </p:nvPicPr>
-        <p:blipFill>
-          <a:blip r:embed="rId3"/>
-          <a:stretch>
-            <a:fillRect/>
-          </a:stretch>
-        </p:blipFill>
-        <p:spPr>
-          <a:xfrm>
-            <a:off x="8184232" y="4077072"/>
-            <a:ext cx="2705100" cy="2028825"/>
-          </a:xfrm>
-          <a:prstGeom prst="rect">
-            <a:avLst/>
-          </a:prstGeom>
-        </p:spPr>
-      </p:pic>
-      <p:pic>
-        <p:nvPicPr>
-          <p:cNvPr id="1028" name="Picture 4" descr="Podobny obraz">
-            <a:extLst>
-              <a:ext uri="{FF2B5EF4-FFF2-40B4-BE49-F238E27FC236}">
-                <a16:creationId xmlns:a16="http://schemas.microsoft.com/office/drawing/2014/main" id="{9D75BD45-9520-4D99-B8E0-940699C10A8C}"/>
-              </a:ext>
-            </a:extLst>
-          </p:cNvPr>
-          <p:cNvPicPr>
-            <a:picLocks noChangeAspect="1" noChangeArrowheads="1"/>
-          </p:cNvPicPr>
-          <p:nvPr/>
-        </p:nvPicPr>
-        <p:blipFill>
-          <a:blip r:embed="rId4" cstate="print">
-            <a:extLst>
-              <a:ext uri="{28A0092B-C50C-407E-A947-70E740481C1C}">
-                <a14:useLocalDpi xmlns:a14="http://schemas.microsoft.com/office/drawing/2010/main" val="0"/>
-              </a:ext>
-            </a:extLst>
-          </a:blip>
-          <a:srcRect/>
-          <a:stretch>
-            <a:fillRect/>
-          </a:stretch>
-        </p:blipFill>
-        <p:spPr bwMode="auto">
-          <a:xfrm>
-            <a:off x="1036639" y="0"/>
-            <a:ext cx="4634382" cy="3140968"/>
-          </a:xfrm>
-          <a:prstGeom prst="rect">
-            <a:avLst/>
-          </a:prstGeom>
-          <a:noFill/>
-          <a:extLst>
-            <a:ext uri="{909E8E84-426E-40DD-AFC4-6F175D3DCCD1}">
-              <a14:hiddenFill xmlns:a14="http://schemas.microsoft.com/office/drawing/2010/main">
-                <a:solidFill>
-                  <a:srgbClr val="FFFFFF"/>
-                </a:solidFill>
-              </a14:hiddenFill>
-            </a:ext>
-          </a:extLst>
-        </p:spPr>
-      </p:pic>
-      <p:pic>
-        <p:nvPicPr>
-          <p:cNvPr id="1030" name="Picture 6" descr="Podobny obraz">
-            <a:extLst>
-              <a:ext uri="{FF2B5EF4-FFF2-40B4-BE49-F238E27FC236}">
-                <a16:creationId xmlns:a16="http://schemas.microsoft.com/office/drawing/2014/main" id="{93C79B21-3281-499E-8090-8EC1866E68A2}"/>
-              </a:ext>
-            </a:extLst>
-          </p:cNvPr>
-          <p:cNvPicPr>
-            <a:picLocks noChangeAspect="1" noChangeArrowheads="1"/>
-          </p:cNvPicPr>
-          <p:nvPr/>
-        </p:nvPicPr>
-        <p:blipFill>
-          <a:blip r:embed="rId5">
-            <a:extLst>
-              <a:ext uri="{28A0092B-C50C-407E-A947-70E740481C1C}">
-                <a14:useLocalDpi xmlns:a14="http://schemas.microsoft.com/office/drawing/2010/main" val="0"/>
-              </a:ext>
-            </a:extLst>
-          </a:blip>
-          <a:srcRect/>
-          <a:stretch>
-            <a:fillRect/>
-          </a:stretch>
-        </p:blipFill>
-        <p:spPr bwMode="auto">
-          <a:xfrm>
-            <a:off x="1055440" y="3284984"/>
-            <a:ext cx="4992195" cy="3383657"/>
-          </a:xfrm>
-          <a:prstGeom prst="rect">
-            <a:avLst/>
-          </a:prstGeom>
-          <a:noFill/>
-          <a:extLst>
-            <a:ext uri="{909E8E84-426E-40DD-AFC4-6F175D3DCCD1}">
-              <a14:hiddenFill xmlns:a14="http://schemas.microsoft.com/office/drawing/2010/main">
-                <a:solidFill>
-                  <a:srgbClr val="FFFFFF"/>
-                </a:solidFill>
-              </a14:hiddenFill>
-            </a:ext>
-          </a:extLst>
-        </p:spPr>
-      </p:pic>
-      <p:pic>
-        <p:nvPicPr>
-          <p:cNvPr id="1026" name="Picture 2">
-            <a:extLst>
-              <a:ext uri="{FF2B5EF4-FFF2-40B4-BE49-F238E27FC236}">
-                <a16:creationId xmlns:a16="http://schemas.microsoft.com/office/drawing/2014/main" id="{78FAE457-8FD4-4A1D-B15E-8F71E0305437}"/>
-              </a:ext>
-            </a:extLst>
-          </p:cNvPr>
-          <p:cNvPicPr>
-            <a:picLocks noChangeAspect="1" noChangeArrowheads="1"/>
-          </p:cNvPicPr>
-          <p:nvPr/>
-        </p:nvPicPr>
-        <p:blipFill>
-          <a:blip r:embed="rId6">
-            <a:extLst>
-              <a:ext uri="{28A0092B-C50C-407E-A947-70E740481C1C}">
-                <a14:useLocalDpi xmlns:a14="http://schemas.microsoft.com/office/drawing/2010/main" val="0"/>
-              </a:ext>
-            </a:extLst>
-          </a:blip>
-          <a:srcRect/>
-          <a:stretch>
-            <a:fillRect/>
-          </a:stretch>
-        </p:blipFill>
-        <p:spPr bwMode="auto">
-          <a:xfrm>
-            <a:off x="7032104" y="116632"/>
-            <a:ext cx="4840640" cy="2981126"/>
-          </a:xfrm>
-          <a:prstGeom prst="rect">
-            <a:avLst/>
-          </a:prstGeom>
-          <a:noFill/>
-          <a:extLst>
-            <a:ext uri="{909E8E84-426E-40DD-AFC4-6F175D3DCCD1}">
-              <a14:hiddenFill xmlns:a14="http://schemas.microsoft.com/office/drawing/2010/main">
-                <a:solidFill>
-                  <a:srgbClr val="FFFFFF"/>
-                </a:solidFill>
-              </a14:hiddenFill>
-            </a:ext>
-          </a:extLst>
-        </p:spPr>
-      </p:pic>
-    </p:spTree>
-    <p:extLst>
-      <p:ext uri="{BB962C8B-B14F-4D97-AF65-F5344CB8AC3E}">
-        <p14:creationId xmlns:p14="http://schemas.microsoft.com/office/powerpoint/2010/main" val="1445135369"/>
-      </p:ext>
-    </p:extLst>
-  </p:cSld>
-  <p:clrMapOvr>
-    <a:masterClrMapping/>
-  </p:clrMapOvr>
-  <mc:AlternateContent xmlns:mc="http://schemas.openxmlformats.org/markup-compatibility/2006" xmlns:p14="http://schemas.microsoft.com/office/powerpoint/2010/main">
-    <mc:Choice Requires="p14">
-      <p:transition spd="med" p14:dur="700">
-        <p:fade/>
-      </p:transition>
-    </mc:Choice>
-    <mc:Fallback xmlns="">
-      <p:transition spd="med">
-        <p:fade/>
-      </p:transition>
-    </mc:Fallback>
-  </mc:AlternateContent>
-</p:sld>
-</file>
-
-<file path=ppt/slides/slide26.xml><?xml version="1.0" encoding="utf-8"?>
-<p:sld xmlns:a="http://schemas.openxmlformats.org/drawingml/2006/main" xmlns:r="http://schemas.openxmlformats.org/officeDocument/2006/relationships" xmlns:p="http://schemas.openxmlformats.org/presentationml/2006/main">
-  <p:cSld>
-    <p:bg>
-      <p:bgPr>
-        <a:solidFill>
-          <a:srgbClr val="E0EDEF"/>
-        </a:solidFill>
-        <a:effectLst/>
-      </p:bgPr>
-    </p:bg>
-    <p:spTree>
-      <p:nvGrpSpPr>
-        <p:cNvPr id="1" name=""/>
-        <p:cNvGrpSpPr/>
-        <p:nvPr/>
-      </p:nvGrpSpPr>
-      <p:grpSpPr>
-        <a:xfrm>
-          <a:off x="0" y="0"/>
-          <a:ext cx="0" cy="0"/>
-          <a:chOff x="0" y="0"/>
-          <a:chExt cx="0" cy="0"/>
-        </a:xfrm>
-      </p:grpSpPr>
-      <p:sp>
-        <p:nvSpPr>
-          <p:cNvPr id="2" name="TextBox 1">
-            <a:extLst>
-              <a:ext uri="{FF2B5EF4-FFF2-40B4-BE49-F238E27FC236}">
-                <a16:creationId xmlns:a16="http://schemas.microsoft.com/office/drawing/2014/main" id="{5A0A62C1-E4A4-4039-84CF-616A69EB2352}"/>
-              </a:ext>
-            </a:extLst>
-          </p:cNvPr>
-          <p:cNvSpPr txBox="1"/>
-          <p:nvPr/>
-        </p:nvSpPr>
-        <p:spPr>
-          <a:xfrm>
-            <a:off x="734478" y="620688"/>
-            <a:ext cx="10186058" cy="646331"/>
-          </a:xfrm>
-          <a:prstGeom prst="rect">
-            <a:avLst/>
-          </a:prstGeom>
-          <a:noFill/>
-        </p:spPr>
-        <p:txBody>
-          <a:bodyPr wrap="square" rtlCol="0">
-            <a:spAutoFit/>
-          </a:bodyPr>
-          <a:lstStyle/>
-          <a:p>
-            <a:r>
-              <a:rPr lang="pl-PL" sz="3600" dirty="0" err="1">
-                <a:solidFill>
-                  <a:schemeClr val="tx1">
-                    <a:lumMod val="75000"/>
-                    <a:lumOff val="25000"/>
-                  </a:schemeClr>
-                </a:solidFill>
-                <a:latin typeface="medium-content-serif-font"/>
-              </a:rPr>
-              <a:t>Models</a:t>
-            </a:r>
-            <a:r>
-              <a:rPr lang="pl-PL" sz="3600" dirty="0">
-                <a:solidFill>
-                  <a:schemeClr val="tx1">
-                    <a:lumMod val="75000"/>
-                    <a:lumOff val="25000"/>
-                  </a:schemeClr>
-                </a:solidFill>
-                <a:latin typeface="medium-content-serif-font"/>
-              </a:rPr>
-              <a:t> </a:t>
-            </a:r>
-            <a:r>
-              <a:rPr lang="pl-PL" sz="3600" dirty="0" err="1">
-                <a:solidFill>
-                  <a:schemeClr val="tx1">
-                    <a:lumMod val="75000"/>
-                    <a:lumOff val="25000"/>
-                  </a:schemeClr>
-                </a:solidFill>
-                <a:latin typeface="medium-content-serif-font"/>
-              </a:rPr>
-              <a:t>Building</a:t>
-            </a:r>
-            <a:endParaRPr lang="en-GB" sz="3600" dirty="0">
-              <a:solidFill>
-                <a:schemeClr val="tx1">
-                  <a:lumMod val="75000"/>
-                  <a:lumOff val="25000"/>
-                </a:schemeClr>
-              </a:solidFill>
-              <a:latin typeface="medium-content-serif-font"/>
-            </a:endParaRPr>
-          </a:p>
-        </p:txBody>
-      </p:sp>
-      <p:sp>
-        <p:nvSpPr>
-          <p:cNvPr id="8" name="Shape 7">
-            <a:extLst>
-              <a:ext uri="{FF2B5EF4-FFF2-40B4-BE49-F238E27FC236}">
-                <a16:creationId xmlns:a16="http://schemas.microsoft.com/office/drawing/2014/main" id="{5A6215A7-EB1B-4F8B-AB43-8B89E52309ED}"/>
-              </a:ext>
-            </a:extLst>
-          </p:cNvPr>
-          <p:cNvSpPr/>
-          <p:nvPr/>
-        </p:nvSpPr>
-        <p:spPr>
-          <a:xfrm rot="20700000">
-            <a:off x="3598339" y="4387722"/>
-            <a:ext cx="2123675" cy="2123675"/>
-          </a:xfrm>
-          <a:prstGeom prst="gear6">
-            <a:avLst/>
-          </a:prstGeom>
-          <a:solidFill>
-            <a:srgbClr val="8CC0A8"/>
-          </a:solidFill>
-          <a:scene3d>
-            <a:camera prst="orthographicFront"/>
-            <a:lightRig rig="flat" dir="t"/>
-          </a:scene3d>
-          <a:sp3d prstMaterial="dkEdge">
-            <a:bevelT w="8200" h="38100"/>
-          </a:sp3d>
-        </p:spPr>
-        <p:style>
-          <a:lnRef idx="0">
-            <a:schemeClr val="lt1">
-              <a:hueOff val="0"/>
-              <a:satOff val="0"/>
-              <a:lumOff val="0"/>
-              <a:alphaOff val="0"/>
-            </a:schemeClr>
-          </a:lnRef>
-          <a:fillRef idx="2">
-            <a:schemeClr val="accent5">
-              <a:hueOff val="-15253239"/>
-              <a:satOff val="44959"/>
-              <a:lumOff val="19412"/>
-              <a:alphaOff val="0"/>
-            </a:schemeClr>
-          </a:fillRef>
-          <a:effectRef idx="1">
-            <a:schemeClr val="accent5">
-              <a:hueOff val="-15253239"/>
-              <a:satOff val="44959"/>
-              <a:lumOff val="19412"/>
-              <a:alphaOff val="0"/>
-            </a:schemeClr>
-          </a:effectRef>
-          <a:fontRef idx="minor">
-            <a:schemeClr val="dk1"/>
-          </a:fontRef>
-        </p:style>
-      </p:sp>
-      <p:grpSp>
-        <p:nvGrpSpPr>
-          <p:cNvPr id="17" name="Group 16">
-            <a:extLst>
-              <a:ext uri="{FF2B5EF4-FFF2-40B4-BE49-F238E27FC236}">
-                <a16:creationId xmlns:a16="http://schemas.microsoft.com/office/drawing/2014/main" id="{24F0B694-6142-4AF5-B40F-C5264B6CC66B}"/>
-              </a:ext>
-            </a:extLst>
-          </p:cNvPr>
-          <p:cNvGrpSpPr/>
-          <p:nvPr/>
-        </p:nvGrpSpPr>
-        <p:grpSpPr>
-          <a:xfrm rot="20613129">
-            <a:off x="9449543" y="3830214"/>
-            <a:ext cx="2123675" cy="2123675"/>
-            <a:chOff x="3510563" y="427706"/>
-            <a:chExt cx="2123675" cy="2123675"/>
-          </a:xfrm>
-          <a:solidFill>
-            <a:srgbClr val="8CC0A8"/>
-          </a:solidFill>
-          <a:scene3d>
-            <a:camera prst="orthographicFront"/>
-            <a:lightRig rig="flat" dir="t"/>
-          </a:scene3d>
-        </p:grpSpPr>
-        <p:sp>
-          <p:nvSpPr>
-            <p:cNvPr id="15" name="Shape 14">
-              <a:extLst>
-                <a:ext uri="{FF2B5EF4-FFF2-40B4-BE49-F238E27FC236}">
-                  <a16:creationId xmlns:a16="http://schemas.microsoft.com/office/drawing/2014/main" id="{D96D2170-409B-4CA7-A8F2-A8EAA6D51446}"/>
-                </a:ext>
-              </a:extLst>
-            </p:cNvPr>
-            <p:cNvSpPr/>
-            <p:nvPr/>
-          </p:nvSpPr>
-          <p:spPr>
-            <a:xfrm rot="20700000">
-              <a:off x="3510563" y="427706"/>
-              <a:ext cx="2123675" cy="2123675"/>
-            </a:xfrm>
-            <a:prstGeom prst="gear6">
-              <a:avLst/>
-            </a:prstGeom>
-            <a:grpFill/>
-            <a:sp3d prstMaterial="dkEdge">
-              <a:bevelT w="8200" h="38100"/>
-            </a:sp3d>
-          </p:spPr>
-          <p:style>
-            <a:lnRef idx="0">
-              <a:schemeClr val="lt1">
-                <a:hueOff val="0"/>
-                <a:satOff val="0"/>
-                <a:lumOff val="0"/>
-                <a:alphaOff val="0"/>
-              </a:schemeClr>
-            </a:lnRef>
-            <a:fillRef idx="2">
-              <a:schemeClr val="accent5">
-                <a:hueOff val="-15253239"/>
-                <a:satOff val="44959"/>
-                <a:lumOff val="19412"/>
-                <a:alphaOff val="0"/>
-              </a:schemeClr>
-            </a:fillRef>
-            <a:effectRef idx="1">
-              <a:schemeClr val="accent5">
-                <a:hueOff val="-15253239"/>
-                <a:satOff val="44959"/>
-                <a:lumOff val="19412"/>
-                <a:alphaOff val="0"/>
-              </a:schemeClr>
-            </a:effectRef>
-            <a:fontRef idx="minor">
-              <a:schemeClr val="dk1"/>
-            </a:fontRef>
-          </p:style>
-        </p:sp>
-        <p:sp>
-          <p:nvSpPr>
-            <p:cNvPr id="16" name="Shape 4">
-              <a:extLst>
-                <a:ext uri="{FF2B5EF4-FFF2-40B4-BE49-F238E27FC236}">
-                  <a16:creationId xmlns:a16="http://schemas.microsoft.com/office/drawing/2014/main" id="{4E9C956D-31C9-43C7-8DF4-750309393FC3}"/>
-                </a:ext>
-              </a:extLst>
-            </p:cNvPr>
-            <p:cNvSpPr txBox="1"/>
-            <p:nvPr/>
-          </p:nvSpPr>
-          <p:spPr>
-            <a:xfrm>
-              <a:off x="3976347" y="893490"/>
-              <a:ext cx="1192106" cy="1192106"/>
-            </a:xfrm>
-            <a:prstGeom prst="rect">
-              <a:avLst/>
-            </a:prstGeom>
-            <a:grpFill/>
-            <a:sp3d/>
-          </p:spPr>
-          <p:style>
-            <a:lnRef idx="0">
-              <a:scrgbClr r="0" g="0" b="0"/>
-            </a:lnRef>
-            <a:fillRef idx="0">
-              <a:scrgbClr r="0" g="0" b="0"/>
-            </a:fillRef>
-            <a:effectRef idx="0">
-              <a:scrgbClr r="0" g="0" b="0"/>
-            </a:effectRef>
-            <a:fontRef idx="minor">
-              <a:schemeClr val="dk1"/>
-            </a:fontRef>
-          </p:style>
-          <p:txBody>
-            <a:bodyPr spcFirstLastPara="0" vert="horz" wrap="square" lIns="16510" tIns="16510" rIns="16510" bIns="16510" numCol="1" spcCol="1270" anchor="ctr" anchorCtr="0">
-              <a:noAutofit/>
-            </a:bodyPr>
-            <a:lstStyle/>
-            <a:p>
-              <a:pPr marL="0" lvl="0" indent="0" algn="ctr" defTabSz="577850">
-                <a:lnSpc>
-                  <a:spcPct val="90000"/>
-                </a:lnSpc>
-                <a:spcBef>
-                  <a:spcPct val="0"/>
-                </a:spcBef>
-                <a:spcAft>
-                  <a:spcPct val="35000"/>
-                </a:spcAft>
-                <a:buNone/>
-              </a:pPr>
-              <a:endParaRPr lang="en-GB" sz="1300" kern="1200" dirty="0"/>
-            </a:p>
-          </p:txBody>
-        </p:sp>
-      </p:grpSp>
-      <p:grpSp>
-        <p:nvGrpSpPr>
-          <p:cNvPr id="31" name="Group 30">
-            <a:extLst>
-              <a:ext uri="{FF2B5EF4-FFF2-40B4-BE49-F238E27FC236}">
-                <a16:creationId xmlns:a16="http://schemas.microsoft.com/office/drawing/2014/main" id="{68D483E2-3110-46AA-9E9C-429EE6CE6DEB}"/>
-              </a:ext>
-            </a:extLst>
-          </p:cNvPr>
-          <p:cNvGrpSpPr/>
-          <p:nvPr/>
-        </p:nvGrpSpPr>
-        <p:grpSpPr>
-          <a:xfrm rot="19903846">
-            <a:off x="6191986" y="2012818"/>
-            <a:ext cx="2167466" cy="2167466"/>
-            <a:chOff x="2059093" y="1733973"/>
-            <a:chExt cx="2167466" cy="2167466"/>
-          </a:xfrm>
-          <a:scene3d>
-            <a:camera prst="orthographicFront"/>
-            <a:lightRig rig="flat" dir="t"/>
-          </a:scene3d>
-        </p:grpSpPr>
-        <p:sp>
-          <p:nvSpPr>
-            <p:cNvPr id="29" name="Shape 28">
-              <a:extLst>
-                <a:ext uri="{FF2B5EF4-FFF2-40B4-BE49-F238E27FC236}">
-                  <a16:creationId xmlns:a16="http://schemas.microsoft.com/office/drawing/2014/main" id="{EC321999-AD0F-4369-86D1-0F793BE9E8D2}"/>
-                </a:ext>
-              </a:extLst>
-            </p:cNvPr>
-            <p:cNvSpPr/>
-            <p:nvPr/>
-          </p:nvSpPr>
-          <p:spPr>
-            <a:xfrm>
-              <a:off x="2059093" y="1733973"/>
-              <a:ext cx="2167466" cy="2167466"/>
-            </a:xfrm>
-            <a:prstGeom prst="gear6">
-              <a:avLst/>
-            </a:prstGeom>
-            <a:sp3d prstMaterial="dkEdge">
-              <a:bevelT w="8200" h="38100"/>
-            </a:sp3d>
-          </p:spPr>
-          <p:style>
-            <a:lnRef idx="0">
-              <a:schemeClr val="lt1">
-                <a:hueOff val="0"/>
-                <a:satOff val="0"/>
-                <a:lumOff val="0"/>
-                <a:alphaOff val="0"/>
-              </a:schemeClr>
-            </a:lnRef>
-            <a:fillRef idx="2">
-              <a:schemeClr val="accent5">
-                <a:hueOff val="-7626620"/>
-                <a:satOff val="22479"/>
-                <a:lumOff val="9706"/>
-                <a:alphaOff val="0"/>
-              </a:schemeClr>
-            </a:fillRef>
-            <a:effectRef idx="1">
-              <a:schemeClr val="accent5">
-                <a:hueOff val="-7626620"/>
-                <a:satOff val="22479"/>
-                <a:lumOff val="9706"/>
-                <a:alphaOff val="0"/>
-              </a:schemeClr>
-            </a:effectRef>
-            <a:fontRef idx="minor">
-              <a:schemeClr val="dk1"/>
-            </a:fontRef>
-          </p:style>
-        </p:sp>
-        <p:sp>
-          <p:nvSpPr>
-            <p:cNvPr id="30" name="Shape 4">
-              <a:extLst>
-                <a:ext uri="{FF2B5EF4-FFF2-40B4-BE49-F238E27FC236}">
-                  <a16:creationId xmlns:a16="http://schemas.microsoft.com/office/drawing/2014/main" id="{412B30DA-F79E-4A39-BB81-48DF2497CF4C}"/>
-                </a:ext>
-              </a:extLst>
-            </p:cNvPr>
-            <p:cNvSpPr txBox="1"/>
-            <p:nvPr/>
-          </p:nvSpPr>
-          <p:spPr>
-            <a:xfrm>
-              <a:off x="2604759" y="2282937"/>
-              <a:ext cx="1076134" cy="1069538"/>
-            </a:xfrm>
-            <a:prstGeom prst="rect">
-              <a:avLst/>
-            </a:prstGeom>
-            <a:sp3d/>
-          </p:spPr>
-          <p:style>
-            <a:lnRef idx="0">
-              <a:scrgbClr r="0" g="0" b="0"/>
-            </a:lnRef>
-            <a:fillRef idx="0">
-              <a:scrgbClr r="0" g="0" b="0"/>
-            </a:fillRef>
-            <a:effectRef idx="0">
-              <a:scrgbClr r="0" g="0" b="0"/>
-            </a:effectRef>
-            <a:fontRef idx="minor">
-              <a:schemeClr val="dk1"/>
-            </a:fontRef>
-          </p:style>
-          <p:txBody>
-            <a:bodyPr spcFirstLastPara="0" vert="horz" wrap="square" lIns="16510" tIns="16510" rIns="16510" bIns="16510" numCol="1" spcCol="1270" anchor="ctr" anchorCtr="0">
-              <a:noAutofit/>
-            </a:bodyPr>
-            <a:lstStyle/>
-            <a:p>
-              <a:pPr marL="0" lvl="0" indent="0" algn="ctr" defTabSz="577850">
-                <a:lnSpc>
-                  <a:spcPct val="90000"/>
-                </a:lnSpc>
-                <a:spcBef>
-                  <a:spcPct val="0"/>
-                </a:spcBef>
-                <a:spcAft>
-                  <a:spcPct val="35000"/>
-                </a:spcAft>
-                <a:buNone/>
-              </a:pPr>
-              <a:r>
-                <a:rPr lang="pl-PL" sz="1300" kern="1200" dirty="0" err="1"/>
-                <a:t>Preprocessing</a:t>
-              </a:r>
-              <a:endParaRPr lang="pl-PL" sz="1300" kern="1200" dirty="0"/>
-            </a:p>
-            <a:p>
-              <a:pPr marL="0" lvl="0" indent="0" algn="ctr" defTabSz="577850">
-                <a:lnSpc>
-                  <a:spcPct val="90000"/>
-                </a:lnSpc>
-                <a:spcBef>
-                  <a:spcPct val="0"/>
-                </a:spcBef>
-                <a:spcAft>
-                  <a:spcPct val="35000"/>
-                </a:spcAft>
-                <a:buNone/>
-              </a:pPr>
-              <a:r>
-                <a:rPr lang="pl-PL" sz="1300" dirty="0"/>
-                <a:t>- </a:t>
-              </a:r>
-              <a:r>
-                <a:rPr lang="pl-PL" sz="1000" dirty="0">
-                  <a:latin typeface="medium-content-serif-font"/>
-                </a:rPr>
-                <a:t>PCA</a:t>
-              </a:r>
-              <a:endParaRPr lang="en-GB" sz="1000" kern="1200" dirty="0">
-                <a:latin typeface="medium-content-serif-font"/>
-              </a:endParaRPr>
-            </a:p>
-          </p:txBody>
-        </p:sp>
-      </p:grpSp>
-      <p:grpSp>
-        <p:nvGrpSpPr>
-          <p:cNvPr id="38" name="Group 37">
-            <a:extLst>
-              <a:ext uri="{FF2B5EF4-FFF2-40B4-BE49-F238E27FC236}">
-                <a16:creationId xmlns:a16="http://schemas.microsoft.com/office/drawing/2014/main" id="{E1C77744-F4FC-403B-8046-4EA1BD0C34F3}"/>
-              </a:ext>
-            </a:extLst>
-          </p:cNvPr>
-          <p:cNvGrpSpPr/>
-          <p:nvPr/>
-        </p:nvGrpSpPr>
-        <p:grpSpPr>
-          <a:xfrm rot="20737942">
-            <a:off x="3653415" y="2493718"/>
-            <a:ext cx="2004846" cy="2039666"/>
-            <a:chOff x="2059093" y="1733973"/>
-            <a:chExt cx="2167466" cy="2167466"/>
-          </a:xfrm>
-          <a:solidFill>
-            <a:srgbClr val="EAAF87"/>
-          </a:solidFill>
-          <a:scene3d>
-            <a:camera prst="orthographicFront"/>
-            <a:lightRig rig="flat" dir="t"/>
-          </a:scene3d>
-        </p:grpSpPr>
-        <p:sp>
-          <p:nvSpPr>
-            <p:cNvPr id="36" name="Shape 35">
-              <a:extLst>
-                <a:ext uri="{FF2B5EF4-FFF2-40B4-BE49-F238E27FC236}">
-                  <a16:creationId xmlns:a16="http://schemas.microsoft.com/office/drawing/2014/main" id="{52FD0D6E-B9E6-4BAC-9BBF-58D74D153F7B}"/>
-                </a:ext>
-              </a:extLst>
-            </p:cNvPr>
-            <p:cNvSpPr/>
-            <p:nvPr/>
-          </p:nvSpPr>
-          <p:spPr>
-            <a:xfrm>
-              <a:off x="2059093" y="1733973"/>
-              <a:ext cx="2167466" cy="2167466"/>
-            </a:xfrm>
-            <a:prstGeom prst="gear6">
-              <a:avLst/>
-            </a:prstGeom>
-            <a:grpFill/>
-            <a:sp3d prstMaterial="dkEdge">
-              <a:bevelT w="8200" h="38100"/>
-            </a:sp3d>
-          </p:spPr>
-          <p:style>
-            <a:lnRef idx="0">
-              <a:schemeClr val="lt1">
-                <a:hueOff val="0"/>
-                <a:satOff val="0"/>
-                <a:lumOff val="0"/>
-                <a:alphaOff val="0"/>
-              </a:schemeClr>
-            </a:lnRef>
-            <a:fillRef idx="2">
-              <a:schemeClr val="accent5">
-                <a:hueOff val="-7626620"/>
-                <a:satOff val="22479"/>
-                <a:lumOff val="9706"/>
-                <a:alphaOff val="0"/>
-              </a:schemeClr>
-            </a:fillRef>
-            <a:effectRef idx="1">
-              <a:schemeClr val="accent5">
-                <a:hueOff val="-7626620"/>
-                <a:satOff val="22479"/>
-                <a:lumOff val="9706"/>
-                <a:alphaOff val="0"/>
-              </a:schemeClr>
-            </a:effectRef>
-            <a:fontRef idx="minor">
-              <a:schemeClr val="dk1"/>
-            </a:fontRef>
-          </p:style>
-        </p:sp>
-        <p:sp>
-          <p:nvSpPr>
-            <p:cNvPr id="37" name="Shape 4">
-              <a:extLst>
-                <a:ext uri="{FF2B5EF4-FFF2-40B4-BE49-F238E27FC236}">
-                  <a16:creationId xmlns:a16="http://schemas.microsoft.com/office/drawing/2014/main" id="{D02E31F8-3B77-4A4C-BF93-FB8B6ACFE4E5}"/>
-                </a:ext>
-              </a:extLst>
-            </p:cNvPr>
-            <p:cNvSpPr txBox="1"/>
-            <p:nvPr/>
-          </p:nvSpPr>
-          <p:spPr>
-            <a:xfrm>
-              <a:off x="2604759" y="2282937"/>
-              <a:ext cx="1076134" cy="1069538"/>
-            </a:xfrm>
-            <a:prstGeom prst="rect">
-              <a:avLst/>
-            </a:prstGeom>
-            <a:grpFill/>
-            <a:sp3d/>
-          </p:spPr>
-          <p:style>
-            <a:lnRef idx="0">
-              <a:scrgbClr r="0" g="0" b="0"/>
-            </a:lnRef>
-            <a:fillRef idx="0">
-              <a:scrgbClr r="0" g="0" b="0"/>
-            </a:fillRef>
-            <a:effectRef idx="0">
-              <a:scrgbClr r="0" g="0" b="0"/>
-            </a:effectRef>
-            <a:fontRef idx="minor">
-              <a:schemeClr val="dk1"/>
-            </a:fontRef>
-          </p:style>
-          <p:txBody>
-            <a:bodyPr spcFirstLastPara="0" vert="horz" wrap="square" lIns="16510" tIns="16510" rIns="16510" bIns="16510" numCol="1" spcCol="1270" anchor="ctr" anchorCtr="0">
-              <a:noAutofit/>
-            </a:bodyPr>
-            <a:lstStyle/>
-            <a:p>
-              <a:pPr marL="0" lvl="0" indent="0" algn="ctr" defTabSz="577850">
-                <a:lnSpc>
-                  <a:spcPct val="90000"/>
-                </a:lnSpc>
-                <a:spcBef>
-                  <a:spcPct val="0"/>
-                </a:spcBef>
-                <a:spcAft>
-                  <a:spcPct val="35000"/>
-                </a:spcAft>
-                <a:buNone/>
-              </a:pPr>
-              <a:r>
-                <a:rPr lang="pl-PL" sz="1300" kern="1200" dirty="0"/>
-                <a:t>Benchmark model</a:t>
-              </a:r>
-            </a:p>
-            <a:p>
-              <a:pPr marL="0" lvl="0" indent="0" algn="ctr" defTabSz="577850">
-                <a:lnSpc>
-                  <a:spcPct val="90000"/>
-                </a:lnSpc>
-                <a:spcBef>
-                  <a:spcPct val="0"/>
-                </a:spcBef>
-                <a:spcAft>
-                  <a:spcPct val="35000"/>
-                </a:spcAft>
-                <a:buNone/>
-              </a:pPr>
-              <a:r>
-                <a:rPr lang="pl-PL" sz="1300" dirty="0" err="1"/>
-                <a:t>Acc</a:t>
-              </a:r>
-              <a:r>
-                <a:rPr lang="pl-PL" sz="1300" dirty="0"/>
-                <a:t>: 0.59</a:t>
-              </a:r>
-            </a:p>
-            <a:p>
-              <a:pPr marL="0" lvl="0" indent="0" algn="ctr" defTabSz="577850">
-                <a:lnSpc>
-                  <a:spcPct val="90000"/>
-                </a:lnSpc>
-                <a:spcBef>
-                  <a:spcPct val="0"/>
-                </a:spcBef>
-                <a:spcAft>
-                  <a:spcPct val="35000"/>
-                </a:spcAft>
-                <a:buNone/>
-              </a:pPr>
-              <a:r>
-                <a:rPr lang="pl-PL" sz="1300" kern="1200" dirty="0" err="1"/>
-                <a:t>Rec</a:t>
-              </a:r>
-              <a:r>
-                <a:rPr lang="pl-PL" sz="1300" kern="1200" dirty="0"/>
-                <a:t>: 0.516</a:t>
-              </a:r>
-              <a:endParaRPr lang="en-GB" sz="1300" kern="1200" dirty="0"/>
-            </a:p>
-          </p:txBody>
-        </p:sp>
-      </p:grpSp>
-      <p:sp>
-        <p:nvSpPr>
-          <p:cNvPr id="58" name="TextBox 57">
-            <a:extLst>
-              <a:ext uri="{FF2B5EF4-FFF2-40B4-BE49-F238E27FC236}">
-                <a16:creationId xmlns:a16="http://schemas.microsoft.com/office/drawing/2014/main" id="{428031B2-54E5-4283-8324-E0A87686F4F2}"/>
-              </a:ext>
-            </a:extLst>
-          </p:cNvPr>
-          <p:cNvSpPr txBox="1"/>
-          <p:nvPr/>
-        </p:nvSpPr>
-        <p:spPr>
-          <a:xfrm>
-            <a:off x="4079776" y="4941168"/>
-            <a:ext cx="1074333" cy="1158009"/>
-          </a:xfrm>
-          <a:prstGeom prst="rect">
-            <a:avLst/>
-          </a:prstGeom>
-          <a:noFill/>
-        </p:spPr>
-        <p:txBody>
-          <a:bodyPr wrap="none" rtlCol="0">
-            <a:spAutoFit/>
-          </a:bodyPr>
-          <a:lstStyle/>
-          <a:p>
-            <a:pPr lvl="0" defTabSz="577850">
-              <a:lnSpc>
-                <a:spcPct val="90000"/>
-              </a:lnSpc>
-              <a:spcBef>
-                <a:spcPct val="0"/>
-              </a:spcBef>
-              <a:spcAft>
-                <a:spcPct val="35000"/>
-              </a:spcAft>
-            </a:pPr>
-            <a:r>
-              <a:rPr lang="pl-PL" sz="1100" dirty="0" err="1"/>
-              <a:t>Preprocessing</a:t>
-            </a:r>
-            <a:r>
-              <a:rPr lang="pl-PL" sz="1100" dirty="0"/>
-              <a:t>:</a:t>
-            </a:r>
-          </a:p>
-          <a:p>
-            <a:pPr lvl="0" defTabSz="577850">
-              <a:lnSpc>
-                <a:spcPct val="90000"/>
-              </a:lnSpc>
-              <a:spcBef>
-                <a:spcPct val="0"/>
-              </a:spcBef>
-              <a:spcAft>
-                <a:spcPct val="35000"/>
-              </a:spcAft>
-            </a:pPr>
-            <a:r>
-              <a:rPr lang="pl-PL" sz="1000" dirty="0">
-                <a:latin typeface="medium-content-serif-font"/>
-              </a:rPr>
-              <a:t>- </a:t>
-            </a:r>
-            <a:r>
-              <a:rPr lang="pl-PL" sz="1000" dirty="0" err="1">
-                <a:latin typeface="medium-content-serif-font"/>
-              </a:rPr>
-              <a:t>Cleaning</a:t>
-            </a:r>
-            <a:endParaRPr lang="pl-PL" sz="1000" dirty="0">
-              <a:latin typeface="medium-content-serif-font"/>
-            </a:endParaRPr>
-          </a:p>
-          <a:p>
-            <a:pPr lvl="0" defTabSz="577850">
-              <a:lnSpc>
-                <a:spcPct val="90000"/>
-              </a:lnSpc>
-              <a:spcBef>
-                <a:spcPct val="0"/>
-              </a:spcBef>
-              <a:spcAft>
-                <a:spcPct val="35000"/>
-              </a:spcAft>
-            </a:pPr>
-            <a:r>
-              <a:rPr lang="pl-PL" sz="1000" dirty="0">
-                <a:latin typeface="medium-content-serif-font"/>
-              </a:rPr>
-              <a:t>- </a:t>
-            </a:r>
-            <a:r>
-              <a:rPr lang="pl-PL" sz="1000" dirty="0" err="1">
-                <a:latin typeface="medium-content-serif-font"/>
-              </a:rPr>
-              <a:t>Dummies</a:t>
-            </a:r>
-            <a:endParaRPr lang="pl-PL" sz="1000" dirty="0">
-              <a:latin typeface="medium-content-serif-font"/>
-            </a:endParaRPr>
-          </a:p>
-          <a:p>
-            <a:pPr lvl="0" defTabSz="577850">
-              <a:lnSpc>
-                <a:spcPct val="90000"/>
-              </a:lnSpc>
-              <a:spcBef>
-                <a:spcPct val="0"/>
-              </a:spcBef>
-              <a:spcAft>
-                <a:spcPct val="35000"/>
-              </a:spcAft>
-            </a:pPr>
-            <a:r>
-              <a:rPr lang="pl-PL" sz="1000" dirty="0">
-                <a:latin typeface="medium-content-serif-font"/>
-              </a:rPr>
-              <a:t>- </a:t>
-            </a:r>
-            <a:r>
-              <a:rPr lang="pl-PL" sz="1000" dirty="0" err="1">
-                <a:latin typeface="medium-content-serif-font"/>
-              </a:rPr>
-              <a:t>Scaling</a:t>
-            </a:r>
-            <a:endParaRPr lang="pl-PL" sz="1000" dirty="0">
-              <a:latin typeface="medium-content-serif-font"/>
-            </a:endParaRPr>
-          </a:p>
-          <a:p>
-            <a:endParaRPr lang="en-GB" dirty="0"/>
-          </a:p>
-        </p:txBody>
-      </p:sp>
-      <p:sp>
-        <p:nvSpPr>
-          <p:cNvPr id="65" name="TextBox 64">
-            <a:extLst>
-              <a:ext uri="{FF2B5EF4-FFF2-40B4-BE49-F238E27FC236}">
-                <a16:creationId xmlns:a16="http://schemas.microsoft.com/office/drawing/2014/main" id="{8CB2015D-196B-4769-A73E-48C1E7ACFBB2}"/>
-              </a:ext>
-            </a:extLst>
-          </p:cNvPr>
-          <p:cNvSpPr txBox="1"/>
-          <p:nvPr/>
-        </p:nvSpPr>
-        <p:spPr>
-          <a:xfrm>
-            <a:off x="9840416" y="4509120"/>
-            <a:ext cx="1487908" cy="937949"/>
-          </a:xfrm>
-          <a:prstGeom prst="rect">
-            <a:avLst/>
-          </a:prstGeom>
-          <a:noFill/>
-        </p:spPr>
-        <p:txBody>
-          <a:bodyPr wrap="none" rtlCol="0">
-            <a:spAutoFit/>
-          </a:bodyPr>
-          <a:lstStyle/>
-          <a:p>
-            <a:pPr lvl="0" defTabSz="577850">
-              <a:lnSpc>
-                <a:spcPct val="90000"/>
-              </a:lnSpc>
-              <a:spcBef>
-                <a:spcPct val="0"/>
-              </a:spcBef>
-              <a:spcAft>
-                <a:spcPct val="35000"/>
-              </a:spcAft>
-            </a:pPr>
-            <a:r>
-              <a:rPr lang="pl-PL" sz="1100" dirty="0" err="1"/>
-              <a:t>Preprocessing</a:t>
-            </a:r>
-            <a:r>
-              <a:rPr lang="pl-PL" sz="1100" dirty="0"/>
-              <a:t>:</a:t>
-            </a:r>
-          </a:p>
-          <a:p>
-            <a:pPr marL="171450" lvl="0" indent="-171450" defTabSz="577850">
-              <a:lnSpc>
-                <a:spcPct val="90000"/>
-              </a:lnSpc>
-              <a:spcBef>
-                <a:spcPct val="0"/>
-              </a:spcBef>
-              <a:spcAft>
-                <a:spcPct val="35000"/>
-              </a:spcAft>
-              <a:buFontTx/>
-              <a:buChar char="-"/>
-            </a:pPr>
-            <a:r>
-              <a:rPr lang="pl-PL" sz="1000" dirty="0" err="1">
-                <a:latin typeface="medium-content-serif-font"/>
-              </a:rPr>
-              <a:t>Feature</a:t>
-            </a:r>
-            <a:r>
-              <a:rPr lang="pl-PL" sz="1000" dirty="0">
-                <a:latin typeface="medium-content-serif-font"/>
-              </a:rPr>
-              <a:t> </a:t>
-            </a:r>
-            <a:r>
-              <a:rPr lang="pl-PL" sz="1000" dirty="0" err="1">
-                <a:latin typeface="medium-content-serif-font"/>
-              </a:rPr>
-              <a:t>Selection</a:t>
-            </a:r>
-            <a:r>
-              <a:rPr lang="pl-PL" sz="1000" dirty="0">
-                <a:latin typeface="medium-content-serif-font"/>
-              </a:rPr>
-              <a:t> RFE</a:t>
-            </a:r>
-          </a:p>
-          <a:p>
-            <a:pPr marL="171450" lvl="0" indent="-171450" defTabSz="577850">
-              <a:lnSpc>
-                <a:spcPct val="90000"/>
-              </a:lnSpc>
-              <a:spcBef>
-                <a:spcPct val="0"/>
-              </a:spcBef>
-              <a:spcAft>
-                <a:spcPct val="35000"/>
-              </a:spcAft>
-              <a:buFontTx/>
-              <a:buChar char="-"/>
-            </a:pPr>
-            <a:r>
-              <a:rPr lang="pl-PL" sz="1000" dirty="0">
-                <a:latin typeface="medium-content-serif-font"/>
-              </a:rPr>
-              <a:t>PCA</a:t>
-            </a:r>
-          </a:p>
-          <a:p>
-            <a:pPr lvl="0" defTabSz="577850">
-              <a:lnSpc>
-                <a:spcPct val="90000"/>
-              </a:lnSpc>
-              <a:spcBef>
-                <a:spcPct val="0"/>
-              </a:spcBef>
-              <a:spcAft>
-                <a:spcPct val="35000"/>
-              </a:spcAft>
-            </a:pPr>
-            <a:endParaRPr lang="en-GB" dirty="0"/>
-          </a:p>
-        </p:txBody>
-      </p:sp>
-      <p:grpSp>
-        <p:nvGrpSpPr>
-          <p:cNvPr id="68" name="Group 67">
-            <a:extLst>
-              <a:ext uri="{FF2B5EF4-FFF2-40B4-BE49-F238E27FC236}">
-                <a16:creationId xmlns:a16="http://schemas.microsoft.com/office/drawing/2014/main" id="{C1A2CFD4-2AD5-4BC1-90E7-0E9DAB19E143}"/>
-              </a:ext>
-            </a:extLst>
-          </p:cNvPr>
-          <p:cNvGrpSpPr/>
-          <p:nvPr/>
-        </p:nvGrpSpPr>
-        <p:grpSpPr>
-          <a:xfrm rot="19866316">
-            <a:off x="7492859" y="3385699"/>
-            <a:ext cx="2167466" cy="2167466"/>
-            <a:chOff x="2059093" y="1733973"/>
-            <a:chExt cx="2167466" cy="2167466"/>
-          </a:xfrm>
-          <a:solidFill>
-            <a:srgbClr val="A49AA8"/>
-          </a:solidFill>
-          <a:scene3d>
-            <a:camera prst="orthographicFront"/>
-            <a:lightRig rig="flat" dir="t"/>
-          </a:scene3d>
-        </p:grpSpPr>
-        <p:sp>
-          <p:nvSpPr>
-            <p:cNvPr id="69" name="Shape 68">
-              <a:extLst>
-                <a:ext uri="{FF2B5EF4-FFF2-40B4-BE49-F238E27FC236}">
-                  <a16:creationId xmlns:a16="http://schemas.microsoft.com/office/drawing/2014/main" id="{15BCD62F-9647-487E-83BC-4285480E125F}"/>
-                </a:ext>
-              </a:extLst>
-            </p:cNvPr>
-            <p:cNvSpPr/>
-            <p:nvPr/>
-          </p:nvSpPr>
-          <p:spPr>
-            <a:xfrm>
-              <a:off x="2059093" y="1733973"/>
-              <a:ext cx="2167466" cy="2167466"/>
-            </a:xfrm>
-            <a:prstGeom prst="gear6">
-              <a:avLst/>
-            </a:prstGeom>
-            <a:grpFill/>
-            <a:sp3d prstMaterial="dkEdge">
-              <a:bevelT w="8200" h="38100"/>
-            </a:sp3d>
-          </p:spPr>
-          <p:style>
-            <a:lnRef idx="0">
-              <a:schemeClr val="lt1">
-                <a:hueOff val="0"/>
-                <a:satOff val="0"/>
-                <a:lumOff val="0"/>
-                <a:alphaOff val="0"/>
-              </a:schemeClr>
-            </a:lnRef>
-            <a:fillRef idx="2">
-              <a:schemeClr val="accent5">
-                <a:hueOff val="-7626620"/>
-                <a:satOff val="22479"/>
-                <a:lumOff val="9706"/>
-                <a:alphaOff val="0"/>
-              </a:schemeClr>
-            </a:fillRef>
-            <a:effectRef idx="1">
-              <a:schemeClr val="accent5">
-                <a:hueOff val="-7626620"/>
-                <a:satOff val="22479"/>
-                <a:lumOff val="9706"/>
-                <a:alphaOff val="0"/>
-              </a:schemeClr>
-            </a:effectRef>
-            <a:fontRef idx="minor">
-              <a:schemeClr val="dk1"/>
-            </a:fontRef>
-          </p:style>
-        </p:sp>
-        <p:sp>
-          <p:nvSpPr>
-            <p:cNvPr id="70" name="Shape 4">
-              <a:extLst>
-                <a:ext uri="{FF2B5EF4-FFF2-40B4-BE49-F238E27FC236}">
-                  <a16:creationId xmlns:a16="http://schemas.microsoft.com/office/drawing/2014/main" id="{3AD998A3-D127-41C0-BC3A-E7EC18882A13}"/>
-                </a:ext>
-              </a:extLst>
-            </p:cNvPr>
-            <p:cNvSpPr txBox="1"/>
-            <p:nvPr/>
-          </p:nvSpPr>
-          <p:spPr>
-            <a:xfrm>
-              <a:off x="2604759" y="2282937"/>
-              <a:ext cx="1076134" cy="1069538"/>
-            </a:xfrm>
-            <a:prstGeom prst="rect">
-              <a:avLst/>
-            </a:prstGeom>
-            <a:grpFill/>
-            <a:sp3d/>
-          </p:spPr>
-          <p:style>
-            <a:lnRef idx="0">
-              <a:scrgbClr r="0" g="0" b="0"/>
-            </a:lnRef>
-            <a:fillRef idx="0">
-              <a:scrgbClr r="0" g="0" b="0"/>
-            </a:fillRef>
-            <a:effectRef idx="0">
-              <a:scrgbClr r="0" g="0" b="0"/>
-            </a:effectRef>
-            <a:fontRef idx="minor">
-              <a:schemeClr val="dk1"/>
-            </a:fontRef>
-          </p:style>
-          <p:txBody>
-            <a:bodyPr spcFirstLastPara="0" vert="horz" wrap="square" lIns="16510" tIns="16510" rIns="16510" bIns="16510" numCol="1" spcCol="1270" anchor="ctr" anchorCtr="0">
-              <a:noAutofit/>
-            </a:bodyPr>
-            <a:lstStyle/>
-            <a:p>
-              <a:pPr marL="0" lvl="0" indent="0" algn="ctr" defTabSz="577850">
-                <a:lnSpc>
-                  <a:spcPct val="90000"/>
-                </a:lnSpc>
-                <a:spcBef>
-                  <a:spcPct val="0"/>
-                </a:spcBef>
-                <a:spcAft>
-                  <a:spcPct val="35000"/>
-                </a:spcAft>
-                <a:buNone/>
-              </a:pPr>
-              <a:r>
-                <a:rPr lang="pl-PL" sz="1300" kern="1200" dirty="0" err="1"/>
-                <a:t>Models</a:t>
-              </a:r>
-              <a:endParaRPr lang="pl-PL" sz="1300" kern="1200" dirty="0"/>
-            </a:p>
-            <a:p>
-              <a:pPr marL="0" lvl="0" indent="0" algn="ctr" defTabSz="577850">
-                <a:lnSpc>
-                  <a:spcPct val="90000"/>
-                </a:lnSpc>
-                <a:spcBef>
-                  <a:spcPct val="0"/>
-                </a:spcBef>
-                <a:spcAft>
-                  <a:spcPct val="35000"/>
-                </a:spcAft>
-                <a:buNone/>
-              </a:pPr>
-              <a:r>
-                <a:rPr lang="pl-PL" sz="1300" dirty="0" err="1"/>
-                <a:t>Acc</a:t>
-              </a:r>
-              <a:r>
-                <a:rPr lang="pl-PL" sz="1300" dirty="0"/>
-                <a:t>: 0.803</a:t>
-              </a:r>
-            </a:p>
-            <a:p>
-              <a:pPr marL="0" lvl="0" indent="0" algn="ctr" defTabSz="577850">
-                <a:lnSpc>
-                  <a:spcPct val="90000"/>
-                </a:lnSpc>
-                <a:spcBef>
-                  <a:spcPct val="0"/>
-                </a:spcBef>
-                <a:spcAft>
-                  <a:spcPct val="35000"/>
-                </a:spcAft>
-                <a:buNone/>
-              </a:pPr>
-              <a:r>
-                <a:rPr lang="pl-PL" sz="1300" kern="1200" dirty="0" err="1"/>
-                <a:t>Rec</a:t>
-              </a:r>
-              <a:r>
-                <a:rPr lang="pl-PL" sz="1300" kern="1200" dirty="0"/>
-                <a:t>: 0.871 </a:t>
-              </a:r>
-              <a:endParaRPr lang="en-GB" sz="1300" kern="1200" dirty="0"/>
-            </a:p>
-          </p:txBody>
-        </p:sp>
-      </p:grpSp>
-      <p:grpSp>
-        <p:nvGrpSpPr>
-          <p:cNvPr id="71" name="Group 70">
-            <a:extLst>
-              <a:ext uri="{FF2B5EF4-FFF2-40B4-BE49-F238E27FC236}">
-                <a16:creationId xmlns:a16="http://schemas.microsoft.com/office/drawing/2014/main" id="{030B9080-FCC2-4778-9D59-EA0CD64397F3}"/>
-              </a:ext>
-            </a:extLst>
-          </p:cNvPr>
-          <p:cNvGrpSpPr/>
-          <p:nvPr/>
-        </p:nvGrpSpPr>
-        <p:grpSpPr>
-          <a:xfrm>
-            <a:off x="5231904" y="3645024"/>
-            <a:ext cx="2167466" cy="2167466"/>
-            <a:chOff x="2059093" y="1733973"/>
-            <a:chExt cx="2167466" cy="2167466"/>
-          </a:xfrm>
-          <a:solidFill>
-            <a:srgbClr val="A49AA8"/>
-          </a:solidFill>
-          <a:scene3d>
-            <a:camera prst="orthographicFront"/>
-            <a:lightRig rig="flat" dir="t"/>
-          </a:scene3d>
-        </p:grpSpPr>
-        <p:sp>
-          <p:nvSpPr>
-            <p:cNvPr id="72" name="Shape 71">
-              <a:extLst>
-                <a:ext uri="{FF2B5EF4-FFF2-40B4-BE49-F238E27FC236}">
-                  <a16:creationId xmlns:a16="http://schemas.microsoft.com/office/drawing/2014/main" id="{69EFBC38-1B0F-48E0-AED9-6576EC04EFD9}"/>
-                </a:ext>
-              </a:extLst>
-            </p:cNvPr>
-            <p:cNvSpPr/>
-            <p:nvPr/>
-          </p:nvSpPr>
-          <p:spPr>
-            <a:xfrm>
-              <a:off x="2059093" y="1733973"/>
-              <a:ext cx="2167466" cy="2167466"/>
-            </a:xfrm>
-            <a:prstGeom prst="gear6">
-              <a:avLst/>
-            </a:prstGeom>
-            <a:grpFill/>
-            <a:sp3d prstMaterial="dkEdge">
-              <a:bevelT w="8200" h="38100"/>
-            </a:sp3d>
-          </p:spPr>
-          <p:style>
-            <a:lnRef idx="0">
-              <a:schemeClr val="lt1">
-                <a:hueOff val="0"/>
-                <a:satOff val="0"/>
-                <a:lumOff val="0"/>
-                <a:alphaOff val="0"/>
-              </a:schemeClr>
-            </a:lnRef>
-            <a:fillRef idx="2">
-              <a:schemeClr val="accent5">
-                <a:hueOff val="-7626620"/>
-                <a:satOff val="22479"/>
-                <a:lumOff val="9706"/>
-                <a:alphaOff val="0"/>
-              </a:schemeClr>
-            </a:fillRef>
-            <a:effectRef idx="1">
-              <a:schemeClr val="accent5">
-                <a:hueOff val="-7626620"/>
-                <a:satOff val="22479"/>
-                <a:lumOff val="9706"/>
-                <a:alphaOff val="0"/>
-              </a:schemeClr>
-            </a:effectRef>
-            <a:fontRef idx="minor">
-              <a:schemeClr val="dk1"/>
-            </a:fontRef>
-          </p:style>
-        </p:sp>
-        <p:sp>
-          <p:nvSpPr>
-            <p:cNvPr id="73" name="Shape 4">
-              <a:extLst>
-                <a:ext uri="{FF2B5EF4-FFF2-40B4-BE49-F238E27FC236}">
-                  <a16:creationId xmlns:a16="http://schemas.microsoft.com/office/drawing/2014/main" id="{044F2086-075B-454A-8FD1-969B75DCD372}"/>
-                </a:ext>
-              </a:extLst>
-            </p:cNvPr>
-            <p:cNvSpPr txBox="1"/>
-            <p:nvPr/>
-          </p:nvSpPr>
-          <p:spPr>
-            <a:xfrm>
-              <a:off x="2604759" y="2282937"/>
-              <a:ext cx="1076134" cy="1069538"/>
-            </a:xfrm>
-            <a:prstGeom prst="rect">
-              <a:avLst/>
-            </a:prstGeom>
-            <a:grpFill/>
-            <a:sp3d/>
-          </p:spPr>
-          <p:style>
-            <a:lnRef idx="0">
-              <a:scrgbClr r="0" g="0" b="0"/>
-            </a:lnRef>
-            <a:fillRef idx="0">
-              <a:scrgbClr r="0" g="0" b="0"/>
-            </a:fillRef>
-            <a:effectRef idx="0">
-              <a:scrgbClr r="0" g="0" b="0"/>
-            </a:effectRef>
-            <a:fontRef idx="minor">
-              <a:schemeClr val="dk1"/>
-            </a:fontRef>
-          </p:style>
-          <p:txBody>
-            <a:bodyPr spcFirstLastPara="0" vert="horz" wrap="square" lIns="16510" tIns="16510" rIns="16510" bIns="16510" numCol="1" spcCol="1270" anchor="ctr" anchorCtr="0">
-              <a:noAutofit/>
-            </a:bodyPr>
-            <a:lstStyle/>
-            <a:p>
-              <a:pPr marL="0" lvl="0" indent="0" algn="ctr" defTabSz="577850">
-                <a:lnSpc>
-                  <a:spcPct val="90000"/>
-                </a:lnSpc>
-                <a:spcBef>
-                  <a:spcPct val="0"/>
-                </a:spcBef>
-                <a:spcAft>
-                  <a:spcPct val="35000"/>
-                </a:spcAft>
-                <a:buNone/>
-              </a:pPr>
-              <a:r>
-                <a:rPr lang="pl-PL" sz="1300" kern="1200" dirty="0" err="1"/>
-                <a:t>Models</a:t>
-              </a:r>
-              <a:endParaRPr lang="pl-PL" sz="1300" kern="1200" dirty="0"/>
-            </a:p>
-            <a:p>
-              <a:pPr marL="0" lvl="0" indent="0" algn="ctr" defTabSz="577850">
-                <a:lnSpc>
-                  <a:spcPct val="90000"/>
-                </a:lnSpc>
-                <a:spcBef>
-                  <a:spcPct val="0"/>
-                </a:spcBef>
-                <a:spcAft>
-                  <a:spcPct val="35000"/>
-                </a:spcAft>
-                <a:buNone/>
-              </a:pPr>
-              <a:r>
-                <a:rPr lang="pl-PL" sz="1300" dirty="0" err="1"/>
-                <a:t>Acc</a:t>
-              </a:r>
-              <a:r>
-                <a:rPr lang="pl-PL" sz="1300" dirty="0"/>
-                <a:t>: 0.803</a:t>
-              </a:r>
-            </a:p>
-            <a:p>
-              <a:pPr marL="0" lvl="0" indent="0" algn="ctr" defTabSz="577850">
-                <a:lnSpc>
-                  <a:spcPct val="90000"/>
-                </a:lnSpc>
-                <a:spcBef>
-                  <a:spcPct val="0"/>
-                </a:spcBef>
-                <a:spcAft>
-                  <a:spcPct val="35000"/>
-                </a:spcAft>
-                <a:buNone/>
-              </a:pPr>
-              <a:r>
-                <a:rPr lang="pl-PL" sz="1300" kern="1200" dirty="0" err="1"/>
-                <a:t>Rec</a:t>
-              </a:r>
-              <a:r>
-                <a:rPr lang="pl-PL" sz="1300" kern="1200" dirty="0"/>
-                <a:t>: 0.839</a:t>
-              </a:r>
-              <a:endParaRPr lang="en-GB" sz="1300" kern="1200" dirty="0"/>
-            </a:p>
-          </p:txBody>
-        </p:sp>
-      </p:grpSp>
-      <p:grpSp>
-        <p:nvGrpSpPr>
-          <p:cNvPr id="74" name="Group 73">
-            <a:extLst>
-              <a:ext uri="{FF2B5EF4-FFF2-40B4-BE49-F238E27FC236}">
-                <a16:creationId xmlns:a16="http://schemas.microsoft.com/office/drawing/2014/main" id="{B8ADBAC2-C7D2-456E-8F71-323291F8FE47}"/>
-              </a:ext>
-            </a:extLst>
-          </p:cNvPr>
-          <p:cNvGrpSpPr/>
-          <p:nvPr/>
-        </p:nvGrpSpPr>
-        <p:grpSpPr>
-          <a:xfrm>
-            <a:off x="9264352" y="1916832"/>
-            <a:ext cx="2167466" cy="2167466"/>
-            <a:chOff x="2059093" y="1733973"/>
-            <a:chExt cx="2167466" cy="2167466"/>
-          </a:xfrm>
-          <a:solidFill>
-            <a:srgbClr val="A49AA8"/>
-          </a:solidFill>
-          <a:scene3d>
-            <a:camera prst="orthographicFront"/>
-            <a:lightRig rig="flat" dir="t"/>
-          </a:scene3d>
-        </p:grpSpPr>
-        <p:sp>
-          <p:nvSpPr>
-            <p:cNvPr id="75" name="Shape 74">
-              <a:extLst>
-                <a:ext uri="{FF2B5EF4-FFF2-40B4-BE49-F238E27FC236}">
-                  <a16:creationId xmlns:a16="http://schemas.microsoft.com/office/drawing/2014/main" id="{24E0A95B-4643-455D-AC62-2ABA272A1D6E}"/>
-                </a:ext>
-              </a:extLst>
-            </p:cNvPr>
-            <p:cNvSpPr/>
-            <p:nvPr/>
-          </p:nvSpPr>
-          <p:spPr>
-            <a:xfrm>
-              <a:off x="2059093" y="1733973"/>
-              <a:ext cx="2167466" cy="2167466"/>
-            </a:xfrm>
-            <a:prstGeom prst="gear6">
-              <a:avLst/>
-            </a:prstGeom>
-            <a:grpFill/>
-            <a:sp3d prstMaterial="dkEdge">
-              <a:bevelT w="8200" h="38100"/>
-            </a:sp3d>
-          </p:spPr>
-          <p:style>
-            <a:lnRef idx="0">
-              <a:schemeClr val="lt1">
-                <a:hueOff val="0"/>
-                <a:satOff val="0"/>
-                <a:lumOff val="0"/>
-                <a:alphaOff val="0"/>
-              </a:schemeClr>
-            </a:lnRef>
-            <a:fillRef idx="2">
-              <a:schemeClr val="accent5">
-                <a:hueOff val="-7626620"/>
-                <a:satOff val="22479"/>
-                <a:lumOff val="9706"/>
-                <a:alphaOff val="0"/>
-              </a:schemeClr>
-            </a:fillRef>
-            <a:effectRef idx="1">
-              <a:schemeClr val="accent5">
-                <a:hueOff val="-7626620"/>
-                <a:satOff val="22479"/>
-                <a:lumOff val="9706"/>
-                <a:alphaOff val="0"/>
-              </a:schemeClr>
-            </a:effectRef>
-            <a:fontRef idx="minor">
-              <a:schemeClr val="dk1"/>
-            </a:fontRef>
-          </p:style>
-        </p:sp>
-        <p:sp>
-          <p:nvSpPr>
-            <p:cNvPr id="76" name="Shape 4">
-              <a:extLst>
-                <a:ext uri="{FF2B5EF4-FFF2-40B4-BE49-F238E27FC236}">
-                  <a16:creationId xmlns:a16="http://schemas.microsoft.com/office/drawing/2014/main" id="{E9D3FC3C-1B20-4687-B932-F24F0F6F1924}"/>
-                </a:ext>
-              </a:extLst>
-            </p:cNvPr>
-            <p:cNvSpPr txBox="1"/>
-            <p:nvPr/>
-          </p:nvSpPr>
-          <p:spPr>
-            <a:xfrm>
-              <a:off x="2604759" y="2282937"/>
-              <a:ext cx="1076134" cy="1069538"/>
-            </a:xfrm>
-            <a:prstGeom prst="rect">
-              <a:avLst/>
-            </a:prstGeom>
-            <a:grpFill/>
-            <a:sp3d/>
-          </p:spPr>
-          <p:style>
-            <a:lnRef idx="0">
-              <a:scrgbClr r="0" g="0" b="0"/>
-            </a:lnRef>
-            <a:fillRef idx="0">
-              <a:scrgbClr r="0" g="0" b="0"/>
-            </a:fillRef>
-            <a:effectRef idx="0">
-              <a:scrgbClr r="0" g="0" b="0"/>
-            </a:effectRef>
-            <a:fontRef idx="minor">
-              <a:schemeClr val="dk1"/>
-            </a:fontRef>
-          </p:style>
-          <p:txBody>
-            <a:bodyPr spcFirstLastPara="0" vert="horz" wrap="square" lIns="16510" tIns="16510" rIns="16510" bIns="16510" numCol="1" spcCol="1270" anchor="ctr" anchorCtr="0">
-              <a:noAutofit/>
-            </a:bodyPr>
-            <a:lstStyle/>
-            <a:p>
-              <a:pPr marL="0" lvl="0" indent="0" algn="ctr" defTabSz="577850">
-                <a:lnSpc>
-                  <a:spcPct val="90000"/>
-                </a:lnSpc>
-                <a:spcBef>
-                  <a:spcPct val="0"/>
-                </a:spcBef>
-                <a:spcAft>
-                  <a:spcPct val="35000"/>
-                </a:spcAft>
-                <a:buNone/>
-              </a:pPr>
-              <a:r>
-                <a:rPr lang="pl-PL" sz="1300" dirty="0"/>
-                <a:t>Clustering </a:t>
-              </a:r>
-              <a:r>
-                <a:rPr lang="pl-PL" sz="1300" dirty="0" err="1"/>
-                <a:t>left</a:t>
-              </a:r>
-              <a:r>
-                <a:rPr lang="pl-PL" sz="1300" dirty="0"/>
-                <a:t> </a:t>
-              </a:r>
-              <a:r>
-                <a:rPr lang="pl-PL" sz="1300" dirty="0" err="1"/>
-                <a:t>features</a:t>
-              </a:r>
-              <a:endParaRPr lang="en-GB" sz="1300" kern="1200" dirty="0"/>
-            </a:p>
-          </p:txBody>
-        </p:sp>
-      </p:grpSp>
-      <p:grpSp>
-        <p:nvGrpSpPr>
-          <p:cNvPr id="77" name="Group 76">
-            <a:extLst>
-              <a:ext uri="{FF2B5EF4-FFF2-40B4-BE49-F238E27FC236}">
-                <a16:creationId xmlns:a16="http://schemas.microsoft.com/office/drawing/2014/main" id="{CDCFD31D-94EF-45D4-94D2-2A2A5398837C}"/>
-              </a:ext>
-            </a:extLst>
-          </p:cNvPr>
-          <p:cNvGrpSpPr/>
-          <p:nvPr/>
-        </p:nvGrpSpPr>
-        <p:grpSpPr>
-          <a:xfrm>
-            <a:off x="9840416" y="116632"/>
-            <a:ext cx="2167466" cy="2167466"/>
-            <a:chOff x="2059093" y="1733973"/>
-            <a:chExt cx="2167466" cy="2167466"/>
-          </a:xfrm>
-          <a:solidFill>
-            <a:srgbClr val="A49AA8"/>
-          </a:solidFill>
-          <a:scene3d>
-            <a:camera prst="orthographicFront"/>
-            <a:lightRig rig="flat" dir="t"/>
-          </a:scene3d>
-        </p:grpSpPr>
-        <p:sp>
-          <p:nvSpPr>
-            <p:cNvPr id="78" name="Shape 77">
-              <a:extLst>
-                <a:ext uri="{FF2B5EF4-FFF2-40B4-BE49-F238E27FC236}">
-                  <a16:creationId xmlns:a16="http://schemas.microsoft.com/office/drawing/2014/main" id="{2E991E8C-8B17-4B9B-BB6A-22DEB8F5AED0}"/>
-                </a:ext>
-              </a:extLst>
-            </p:cNvPr>
-            <p:cNvSpPr/>
-            <p:nvPr/>
-          </p:nvSpPr>
-          <p:spPr>
-            <a:xfrm>
-              <a:off x="2059093" y="1733973"/>
-              <a:ext cx="2167466" cy="2167466"/>
-            </a:xfrm>
-            <a:prstGeom prst="gear6">
-              <a:avLst/>
-            </a:prstGeom>
-            <a:grpFill/>
-            <a:sp3d prstMaterial="dkEdge">
-              <a:bevelT w="8200" h="38100"/>
-            </a:sp3d>
-          </p:spPr>
-          <p:style>
-            <a:lnRef idx="0">
-              <a:schemeClr val="lt1">
-                <a:hueOff val="0"/>
-                <a:satOff val="0"/>
-                <a:lumOff val="0"/>
-                <a:alphaOff val="0"/>
-              </a:schemeClr>
-            </a:lnRef>
-            <a:fillRef idx="2">
-              <a:schemeClr val="accent5">
-                <a:hueOff val="-7626620"/>
-                <a:satOff val="22479"/>
-                <a:lumOff val="9706"/>
-                <a:alphaOff val="0"/>
-              </a:schemeClr>
-            </a:fillRef>
-            <a:effectRef idx="1">
-              <a:schemeClr val="accent5">
-                <a:hueOff val="-7626620"/>
-                <a:satOff val="22479"/>
-                <a:lumOff val="9706"/>
-                <a:alphaOff val="0"/>
-              </a:schemeClr>
-            </a:effectRef>
-            <a:fontRef idx="minor">
-              <a:schemeClr val="dk1"/>
-            </a:fontRef>
-          </p:style>
-        </p:sp>
-        <p:sp>
-          <p:nvSpPr>
-            <p:cNvPr id="79" name="Shape 4">
-              <a:extLst>
-                <a:ext uri="{FF2B5EF4-FFF2-40B4-BE49-F238E27FC236}">
-                  <a16:creationId xmlns:a16="http://schemas.microsoft.com/office/drawing/2014/main" id="{F3D8EF9E-0A3C-4BC0-AA46-D3E62AA7E390}"/>
-                </a:ext>
-              </a:extLst>
-            </p:cNvPr>
-            <p:cNvSpPr txBox="1"/>
-            <p:nvPr/>
-          </p:nvSpPr>
-          <p:spPr>
-            <a:xfrm>
-              <a:off x="2604759" y="2282937"/>
-              <a:ext cx="1076134" cy="1069538"/>
-            </a:xfrm>
-            <a:prstGeom prst="rect">
-              <a:avLst/>
-            </a:prstGeom>
-            <a:grpFill/>
-            <a:sp3d/>
-          </p:spPr>
-          <p:style>
-            <a:lnRef idx="0">
-              <a:scrgbClr r="0" g="0" b="0"/>
-            </a:lnRef>
-            <a:fillRef idx="0">
-              <a:scrgbClr r="0" g="0" b="0"/>
-            </a:fillRef>
-            <a:effectRef idx="0">
-              <a:scrgbClr r="0" g="0" b="0"/>
-            </a:effectRef>
-            <a:fontRef idx="minor">
-              <a:schemeClr val="dk1"/>
-            </a:fontRef>
-          </p:style>
-          <p:txBody>
-            <a:bodyPr spcFirstLastPara="0" vert="horz" wrap="square" lIns="16510" tIns="16510" rIns="16510" bIns="16510" numCol="1" spcCol="1270" anchor="ctr" anchorCtr="0">
-              <a:noAutofit/>
-            </a:bodyPr>
-            <a:lstStyle/>
-            <a:p>
-              <a:pPr marL="0" lvl="0" indent="0" algn="ctr" defTabSz="577850">
-                <a:lnSpc>
-                  <a:spcPct val="90000"/>
-                </a:lnSpc>
-                <a:spcBef>
-                  <a:spcPct val="0"/>
-                </a:spcBef>
-                <a:spcAft>
-                  <a:spcPct val="35000"/>
-                </a:spcAft>
-                <a:buNone/>
-              </a:pPr>
-              <a:r>
-                <a:rPr lang="pl-PL" sz="1300" kern="1200" dirty="0" err="1"/>
-                <a:t>Models</a:t>
-              </a:r>
-              <a:endParaRPr lang="pl-PL" sz="1300" kern="1200" dirty="0"/>
-            </a:p>
-            <a:p>
-              <a:pPr marL="0" lvl="0" indent="0" algn="ctr" defTabSz="577850">
-                <a:lnSpc>
-                  <a:spcPct val="90000"/>
-                </a:lnSpc>
-                <a:spcBef>
-                  <a:spcPct val="0"/>
-                </a:spcBef>
-                <a:spcAft>
-                  <a:spcPct val="35000"/>
-                </a:spcAft>
-                <a:buNone/>
-              </a:pPr>
-              <a:r>
-                <a:rPr lang="pl-PL" sz="1300" dirty="0" err="1"/>
-                <a:t>Acc</a:t>
-              </a:r>
-              <a:r>
-                <a:rPr lang="pl-PL" sz="1300" dirty="0"/>
-                <a:t>: 0.851</a:t>
-              </a:r>
-            </a:p>
-            <a:p>
-              <a:pPr marL="0" lvl="0" indent="0" algn="ctr" defTabSz="577850">
-                <a:lnSpc>
-                  <a:spcPct val="90000"/>
-                </a:lnSpc>
-                <a:spcBef>
-                  <a:spcPct val="0"/>
-                </a:spcBef>
-                <a:spcAft>
-                  <a:spcPct val="35000"/>
-                </a:spcAft>
-                <a:buNone/>
-              </a:pPr>
-              <a:r>
-                <a:rPr lang="pl-PL" sz="1300" kern="1200" dirty="0" err="1"/>
-                <a:t>Rec</a:t>
-              </a:r>
-              <a:r>
-                <a:rPr lang="pl-PL" sz="1300" kern="1200" dirty="0"/>
-                <a:t>: 0.927</a:t>
-              </a:r>
-            </a:p>
-            <a:p>
-              <a:pPr marL="0" lvl="0" indent="0" algn="ctr" defTabSz="577850">
-                <a:lnSpc>
-                  <a:spcPct val="90000"/>
-                </a:lnSpc>
-                <a:spcBef>
-                  <a:spcPct val="0"/>
-                </a:spcBef>
-                <a:spcAft>
-                  <a:spcPct val="35000"/>
-                </a:spcAft>
-                <a:buNone/>
-              </a:pPr>
-              <a:endParaRPr lang="en-GB" sz="1300" kern="1200" dirty="0"/>
-            </a:p>
-          </p:txBody>
-        </p:sp>
-      </p:grpSp>
-      <p:sp>
-        <p:nvSpPr>
-          <p:cNvPr id="81" name="TextBox 80">
-            <a:extLst>
-              <a:ext uri="{FF2B5EF4-FFF2-40B4-BE49-F238E27FC236}">
-                <a16:creationId xmlns:a16="http://schemas.microsoft.com/office/drawing/2014/main" id="{924347B3-A438-4852-B0BA-CCFA0C8CB0EB}"/>
-              </a:ext>
-            </a:extLst>
-          </p:cNvPr>
-          <p:cNvSpPr txBox="1"/>
-          <p:nvPr/>
-        </p:nvSpPr>
-        <p:spPr>
-          <a:xfrm>
-            <a:off x="695400" y="1988840"/>
-            <a:ext cx="2183611" cy="3970318"/>
-          </a:xfrm>
-          <a:prstGeom prst="rect">
-            <a:avLst/>
-          </a:prstGeom>
-          <a:noFill/>
-        </p:spPr>
-        <p:txBody>
-          <a:bodyPr wrap="none" rtlCol="0">
-            <a:spAutoFit/>
-          </a:bodyPr>
-          <a:lstStyle/>
-          <a:p>
-            <a:pPr marL="285750" indent="-285750">
-              <a:buFont typeface="Wingdings" panose="05000000000000000000" pitchFamily="2" charset="2"/>
-              <a:buChar char="ü"/>
-            </a:pPr>
-            <a:r>
-              <a:rPr lang="pl-PL" dirty="0">
-                <a:solidFill>
-                  <a:schemeClr val="tx1">
-                    <a:lumMod val="75000"/>
-                    <a:lumOff val="25000"/>
-                  </a:schemeClr>
-                </a:solidFill>
-                <a:latin typeface="medium-content-serif-font"/>
-              </a:rPr>
-              <a:t>Benchmark model</a:t>
-            </a:r>
-          </a:p>
-          <a:p>
-            <a:pPr marL="285750" indent="-285750">
-              <a:buFont typeface="Wingdings" panose="05000000000000000000" pitchFamily="2" charset="2"/>
-              <a:buChar char="ü"/>
-            </a:pPr>
-            <a:r>
-              <a:rPr lang="pl-PL" dirty="0" err="1">
-                <a:solidFill>
-                  <a:schemeClr val="tx1">
-                    <a:lumMod val="75000"/>
-                    <a:lumOff val="25000"/>
-                  </a:schemeClr>
-                </a:solidFill>
-                <a:latin typeface="medium-content-serif-font"/>
-              </a:rPr>
-              <a:t>Preprocessing</a:t>
-            </a:r>
-            <a:endParaRPr lang="pl-PL" dirty="0">
-              <a:solidFill>
-                <a:schemeClr val="tx1">
-                  <a:lumMod val="75000"/>
-                  <a:lumOff val="25000"/>
-                </a:schemeClr>
-              </a:solidFill>
-              <a:latin typeface="medium-content-serif-font"/>
-            </a:endParaRPr>
-          </a:p>
-          <a:p>
-            <a:pPr marL="742950" lvl="1" indent="-285750">
-              <a:buFont typeface="Arial" panose="020B0604020202020204" pitchFamily="34" charset="0"/>
-              <a:buChar char="•"/>
-            </a:pPr>
-            <a:r>
-              <a:rPr lang="pl-PL" dirty="0" err="1">
-                <a:solidFill>
-                  <a:schemeClr val="tx1">
-                    <a:lumMod val="75000"/>
-                    <a:lumOff val="25000"/>
-                  </a:schemeClr>
-                </a:solidFill>
-                <a:latin typeface="medium-content-serif-font"/>
-              </a:rPr>
-              <a:t>Dummies</a:t>
-            </a:r>
-            <a:endParaRPr lang="pl-PL" dirty="0">
-              <a:solidFill>
-                <a:schemeClr val="tx1">
-                  <a:lumMod val="75000"/>
-                  <a:lumOff val="25000"/>
-                </a:schemeClr>
-              </a:solidFill>
-              <a:latin typeface="medium-content-serif-font"/>
-            </a:endParaRPr>
-          </a:p>
-          <a:p>
-            <a:pPr marL="742950" lvl="1" indent="-285750">
-              <a:buFont typeface="Arial" panose="020B0604020202020204" pitchFamily="34" charset="0"/>
-              <a:buChar char="•"/>
-            </a:pPr>
-            <a:r>
-              <a:rPr lang="pl-PL" dirty="0" err="1">
-                <a:solidFill>
-                  <a:schemeClr val="tx1">
-                    <a:lumMod val="75000"/>
-                    <a:lumOff val="25000"/>
-                  </a:schemeClr>
-                </a:solidFill>
-                <a:latin typeface="medium-content-serif-font"/>
-              </a:rPr>
-              <a:t>Scaling</a:t>
-            </a:r>
-            <a:endParaRPr lang="pl-PL" dirty="0">
-              <a:solidFill>
-                <a:schemeClr val="tx1">
-                  <a:lumMod val="75000"/>
-                  <a:lumOff val="25000"/>
-                </a:schemeClr>
-              </a:solidFill>
-              <a:latin typeface="medium-content-serif-font"/>
-            </a:endParaRPr>
-          </a:p>
-          <a:p>
-            <a:pPr marL="285750" indent="-285750">
-              <a:buFont typeface="Wingdings" panose="05000000000000000000" pitchFamily="2" charset="2"/>
-              <a:buChar char="ü"/>
-            </a:pPr>
-            <a:r>
-              <a:rPr lang="pl-PL" dirty="0" err="1">
-                <a:solidFill>
-                  <a:schemeClr val="tx1">
-                    <a:lumMod val="75000"/>
-                    <a:lumOff val="25000"/>
-                  </a:schemeClr>
-                </a:solidFill>
-                <a:latin typeface="medium-content-serif-font"/>
-              </a:rPr>
-              <a:t>Models</a:t>
-            </a:r>
-            <a:r>
-              <a:rPr lang="pl-PL" dirty="0">
-                <a:solidFill>
-                  <a:schemeClr val="tx1">
-                    <a:lumMod val="75000"/>
-                    <a:lumOff val="25000"/>
-                  </a:schemeClr>
-                </a:solidFill>
-                <a:latin typeface="medium-content-serif-font"/>
-              </a:rPr>
-              <a:t> </a:t>
-            </a:r>
-            <a:r>
-              <a:rPr lang="pl-PL" dirty="0" err="1">
-                <a:solidFill>
-                  <a:schemeClr val="tx1">
-                    <a:lumMod val="75000"/>
-                    <a:lumOff val="25000"/>
-                  </a:schemeClr>
-                </a:solidFill>
-                <a:latin typeface="medium-content-serif-font"/>
-              </a:rPr>
-              <a:t>building</a:t>
-            </a:r>
-            <a:endParaRPr lang="pl-PL" dirty="0">
-              <a:solidFill>
-                <a:schemeClr val="tx1">
-                  <a:lumMod val="75000"/>
-                  <a:lumOff val="25000"/>
-                </a:schemeClr>
-              </a:solidFill>
-              <a:latin typeface="medium-content-serif-font"/>
-            </a:endParaRPr>
-          </a:p>
-          <a:p>
-            <a:pPr marL="285750" indent="-285750">
-              <a:buFont typeface="Wingdings" panose="05000000000000000000" pitchFamily="2" charset="2"/>
-              <a:buChar char="ü"/>
-            </a:pPr>
-            <a:r>
-              <a:rPr lang="pl-PL" dirty="0" err="1">
-                <a:solidFill>
-                  <a:schemeClr val="tx1">
-                    <a:lumMod val="75000"/>
-                    <a:lumOff val="25000"/>
-                  </a:schemeClr>
-                </a:solidFill>
-                <a:latin typeface="medium-content-serif-font"/>
-              </a:rPr>
-              <a:t>Preprocessing</a:t>
-            </a:r>
-            <a:endParaRPr lang="pl-PL" dirty="0">
-              <a:solidFill>
-                <a:schemeClr val="tx1">
-                  <a:lumMod val="75000"/>
-                  <a:lumOff val="25000"/>
-                </a:schemeClr>
-              </a:solidFill>
-              <a:latin typeface="medium-content-serif-font"/>
-            </a:endParaRPr>
-          </a:p>
-          <a:p>
-            <a:pPr marL="742950" lvl="1" indent="-285750">
-              <a:buFont typeface="Arial" panose="020B0604020202020204" pitchFamily="34" charset="0"/>
-              <a:buChar char="•"/>
-            </a:pPr>
-            <a:r>
-              <a:rPr lang="pl-PL" dirty="0">
-                <a:solidFill>
-                  <a:schemeClr val="tx1">
-                    <a:lumMod val="75000"/>
-                    <a:lumOff val="25000"/>
-                  </a:schemeClr>
-                </a:solidFill>
-                <a:latin typeface="medium-content-serif-font"/>
-              </a:rPr>
-              <a:t>PCA</a:t>
-            </a:r>
-          </a:p>
-          <a:p>
-            <a:pPr marL="285750" indent="-285750">
-              <a:buFont typeface="Wingdings" panose="05000000000000000000" pitchFamily="2" charset="2"/>
-              <a:buChar char="ü"/>
-            </a:pPr>
-            <a:r>
-              <a:rPr lang="pl-PL" dirty="0" err="1">
-                <a:solidFill>
-                  <a:schemeClr val="tx1">
-                    <a:lumMod val="75000"/>
-                    <a:lumOff val="25000"/>
-                  </a:schemeClr>
-                </a:solidFill>
-                <a:latin typeface="medium-content-serif-font"/>
-              </a:rPr>
-              <a:t>Models</a:t>
-            </a:r>
-            <a:r>
-              <a:rPr lang="pl-PL" dirty="0">
-                <a:solidFill>
-                  <a:schemeClr val="tx1">
-                    <a:lumMod val="75000"/>
-                    <a:lumOff val="25000"/>
-                  </a:schemeClr>
-                </a:solidFill>
-                <a:latin typeface="medium-content-serif-font"/>
-              </a:rPr>
-              <a:t> </a:t>
-            </a:r>
-            <a:r>
-              <a:rPr lang="pl-PL" dirty="0" err="1">
-                <a:solidFill>
-                  <a:schemeClr val="tx1">
-                    <a:lumMod val="75000"/>
-                    <a:lumOff val="25000"/>
-                  </a:schemeClr>
-                </a:solidFill>
-                <a:latin typeface="medium-content-serif-font"/>
-              </a:rPr>
-              <a:t>building</a:t>
-            </a:r>
-            <a:endParaRPr lang="pl-PL" dirty="0">
-              <a:solidFill>
-                <a:schemeClr val="tx1">
-                  <a:lumMod val="75000"/>
-                  <a:lumOff val="25000"/>
-                </a:schemeClr>
-              </a:solidFill>
-              <a:latin typeface="medium-content-serif-font"/>
-            </a:endParaRPr>
-          </a:p>
-          <a:p>
-            <a:pPr marL="285750" indent="-285750">
-              <a:buFont typeface="Wingdings" panose="05000000000000000000" pitchFamily="2" charset="2"/>
-              <a:buChar char="ü"/>
-            </a:pPr>
-            <a:r>
-              <a:rPr lang="pl-PL" dirty="0" err="1">
-                <a:solidFill>
-                  <a:schemeClr val="tx1">
-                    <a:lumMod val="75000"/>
-                    <a:lumOff val="25000"/>
-                  </a:schemeClr>
-                </a:solidFill>
-                <a:latin typeface="medium-content-serif-font"/>
-              </a:rPr>
-              <a:t>Preprocessing</a:t>
-            </a:r>
-            <a:endParaRPr lang="pl-PL" dirty="0">
-              <a:solidFill>
-                <a:schemeClr val="tx1">
-                  <a:lumMod val="75000"/>
-                  <a:lumOff val="25000"/>
-                </a:schemeClr>
-              </a:solidFill>
-              <a:latin typeface="medium-content-serif-font"/>
-            </a:endParaRPr>
-          </a:p>
-          <a:p>
-            <a:pPr marL="742950" lvl="1" indent="-285750">
-              <a:buFont typeface="Arial" panose="020B0604020202020204" pitchFamily="34" charset="0"/>
-              <a:buChar char="•"/>
-            </a:pPr>
-            <a:r>
-              <a:rPr lang="pl-PL" dirty="0">
-                <a:solidFill>
-                  <a:schemeClr val="tx1">
-                    <a:lumMod val="75000"/>
-                    <a:lumOff val="25000"/>
-                  </a:schemeClr>
-                </a:solidFill>
-                <a:latin typeface="medium-content-serif-font"/>
-              </a:rPr>
-              <a:t>RFE</a:t>
-            </a:r>
-          </a:p>
-          <a:p>
-            <a:pPr marL="742950" lvl="1" indent="-285750">
-              <a:buFont typeface="Arial" panose="020B0604020202020204" pitchFamily="34" charset="0"/>
-              <a:buChar char="•"/>
-            </a:pPr>
-            <a:r>
-              <a:rPr lang="pl-PL" dirty="0">
-                <a:solidFill>
-                  <a:schemeClr val="tx1">
-                    <a:lumMod val="75000"/>
-                    <a:lumOff val="25000"/>
-                  </a:schemeClr>
-                </a:solidFill>
-                <a:latin typeface="medium-content-serif-font"/>
-              </a:rPr>
-              <a:t>PCA</a:t>
-            </a:r>
-          </a:p>
-          <a:p>
-            <a:pPr marL="285750" indent="-285750">
-              <a:buFont typeface="Wingdings" panose="05000000000000000000" pitchFamily="2" charset="2"/>
-              <a:buChar char="ü"/>
-            </a:pPr>
-            <a:r>
-              <a:rPr lang="pl-PL" dirty="0" err="1">
-                <a:solidFill>
-                  <a:schemeClr val="tx1">
-                    <a:lumMod val="75000"/>
-                    <a:lumOff val="25000"/>
-                  </a:schemeClr>
-                </a:solidFill>
-                <a:latin typeface="medium-content-serif-font"/>
-              </a:rPr>
-              <a:t>Unsupervised</a:t>
-            </a:r>
-            <a:r>
-              <a:rPr lang="pl-PL" dirty="0">
-                <a:solidFill>
-                  <a:schemeClr val="tx1">
-                    <a:lumMod val="75000"/>
-                    <a:lumOff val="25000"/>
-                  </a:schemeClr>
-                </a:solidFill>
-                <a:latin typeface="medium-content-serif-font"/>
-              </a:rPr>
-              <a:t> MI</a:t>
-            </a:r>
-          </a:p>
-          <a:p>
-            <a:pPr marL="285750" indent="-285750">
-              <a:buFont typeface="Wingdings" panose="05000000000000000000" pitchFamily="2" charset="2"/>
-              <a:buChar char="ü"/>
-            </a:pPr>
-            <a:r>
-              <a:rPr lang="pl-PL" dirty="0" err="1">
-                <a:solidFill>
-                  <a:schemeClr val="tx1">
-                    <a:lumMod val="75000"/>
-                    <a:lumOff val="25000"/>
-                  </a:schemeClr>
-                </a:solidFill>
-                <a:latin typeface="medium-content-serif-font"/>
-              </a:rPr>
-              <a:t>Supervised</a:t>
-            </a:r>
-            <a:r>
-              <a:rPr lang="pl-PL" dirty="0">
-                <a:solidFill>
-                  <a:schemeClr val="tx1">
-                    <a:lumMod val="75000"/>
-                    <a:lumOff val="25000"/>
-                  </a:schemeClr>
-                </a:solidFill>
-                <a:latin typeface="medium-content-serif-font"/>
-              </a:rPr>
-              <a:t> MI</a:t>
-            </a:r>
-          </a:p>
-          <a:p>
-            <a:pPr marL="285750" indent="-285750">
-              <a:buFont typeface="Wingdings" panose="05000000000000000000" pitchFamily="2" charset="2"/>
-              <a:buChar char="ü"/>
-            </a:pPr>
-            <a:endParaRPr lang="pl-PL" dirty="0">
-              <a:solidFill>
-                <a:schemeClr val="tx1">
-                  <a:lumMod val="75000"/>
-                  <a:lumOff val="25000"/>
-                </a:schemeClr>
-              </a:solidFill>
-              <a:latin typeface="medium-content-serif-font"/>
-            </a:endParaRPr>
-          </a:p>
-        </p:txBody>
-      </p:sp>
-    </p:spTree>
-    <p:extLst>
-      <p:ext uri="{BB962C8B-B14F-4D97-AF65-F5344CB8AC3E}">
-        <p14:creationId xmlns:p14="http://schemas.microsoft.com/office/powerpoint/2010/main" val="2719516618"/>
-      </p:ext>
-    </p:extLst>
-  </p:cSld>
-  <p:clrMapOvr>
-    <a:masterClrMapping/>
-  </p:clrMapOvr>
-  <mc:AlternateContent xmlns:mc="http://schemas.openxmlformats.org/markup-compatibility/2006" xmlns:p14="http://schemas.microsoft.com/office/powerpoint/2010/main">
-    <mc:Choice Requires="p14">
-      <p:transition spd="med" p14:dur="700">
-        <p:fade/>
-      </p:transition>
-    </mc:Choice>
-    <mc:Fallback xmlns="">
-      <p:transition spd="med">
-        <p:fade/>
-      </p:transition>
-    </mc:Fallback>
-  </mc:AlternateContent>
-</p:sld>
-</file>
-
-<file path=ppt/slides/slide27.xml><?xml version="1.0" encoding="utf-8"?>
-<p:sld xmlns:a="http://schemas.openxmlformats.org/drawingml/2006/main" xmlns:r="http://schemas.openxmlformats.org/officeDocument/2006/relationships" xmlns:p="http://schemas.openxmlformats.org/presentationml/2006/main">
-  <p:cSld>
-    <p:bg>
-      <p:bgPr>
-        <a:solidFill>
-          <a:srgbClr val="E0EDEF"/>
-        </a:solidFill>
-        <a:effectLst/>
-      </p:bgPr>
-    </p:bg>
-    <p:spTree>
-      <p:nvGrpSpPr>
-        <p:cNvPr id="1" name=""/>
-        <p:cNvGrpSpPr/>
-        <p:nvPr/>
-      </p:nvGrpSpPr>
-      <p:grpSpPr>
-        <a:xfrm>
-          <a:off x="0" y="0"/>
-          <a:ext cx="0" cy="0"/>
-          <a:chOff x="0" y="0"/>
-          <a:chExt cx="0" cy="0"/>
-        </a:xfrm>
-      </p:grpSpPr>
-      <p:sp>
-        <p:nvSpPr>
-          <p:cNvPr id="2" name="TextBox 1">
-            <a:extLst>
-              <a:ext uri="{FF2B5EF4-FFF2-40B4-BE49-F238E27FC236}">
-                <a16:creationId xmlns:a16="http://schemas.microsoft.com/office/drawing/2014/main" id="{5A0A62C1-E4A4-4039-84CF-616A69EB2352}"/>
-              </a:ext>
-            </a:extLst>
-          </p:cNvPr>
-          <p:cNvSpPr txBox="1"/>
-          <p:nvPr/>
-        </p:nvSpPr>
-        <p:spPr>
-          <a:xfrm>
-            <a:off x="734478" y="620688"/>
-            <a:ext cx="10186058" cy="646331"/>
-          </a:xfrm>
-          <a:prstGeom prst="rect">
-            <a:avLst/>
-          </a:prstGeom>
-          <a:noFill/>
-        </p:spPr>
-        <p:txBody>
-          <a:bodyPr wrap="square" rtlCol="0">
-            <a:spAutoFit/>
-          </a:bodyPr>
-          <a:lstStyle/>
-          <a:p>
-            <a:r>
-              <a:rPr lang="pl-PL" sz="3600" dirty="0">
-                <a:solidFill>
-                  <a:schemeClr val="tx1">
-                    <a:lumMod val="75000"/>
-                    <a:lumOff val="25000"/>
-                  </a:schemeClr>
-                </a:solidFill>
-                <a:latin typeface="medium-content-serif-font"/>
-              </a:rPr>
-              <a:t>Data Set – </a:t>
-            </a:r>
-            <a:r>
-              <a:rPr lang="pl-PL" sz="3600" dirty="0" err="1">
-                <a:solidFill>
-                  <a:schemeClr val="tx1">
-                    <a:lumMod val="75000"/>
-                    <a:lumOff val="25000"/>
-                  </a:schemeClr>
-                </a:solidFill>
-                <a:latin typeface="medium-content-serif-font"/>
-              </a:rPr>
-              <a:t>Features</a:t>
-            </a:r>
-            <a:endParaRPr lang="en-GB" sz="3600" dirty="0">
-              <a:solidFill>
-                <a:schemeClr val="tx1">
-                  <a:lumMod val="75000"/>
-                  <a:lumOff val="25000"/>
-                </a:schemeClr>
-              </a:solidFill>
-              <a:highlight>
-                <a:srgbClr val="FFFF00"/>
-              </a:highlight>
-              <a:latin typeface="medium-content-serif-font"/>
-            </a:endParaRPr>
-          </a:p>
-        </p:txBody>
-      </p:sp>
-      <p:sp>
-        <p:nvSpPr>
-          <p:cNvPr id="3" name="Rectangle 2">
-            <a:extLst>
-              <a:ext uri="{FF2B5EF4-FFF2-40B4-BE49-F238E27FC236}">
-                <a16:creationId xmlns:a16="http://schemas.microsoft.com/office/drawing/2014/main" id="{F7C2D508-2824-403E-9C62-967E74B56344}"/>
-              </a:ext>
-            </a:extLst>
-          </p:cNvPr>
-          <p:cNvSpPr/>
-          <p:nvPr/>
-        </p:nvSpPr>
-        <p:spPr>
-          <a:xfrm>
-            <a:off x="695400" y="1412776"/>
-            <a:ext cx="10657184" cy="4906408"/>
-          </a:xfrm>
-          <a:prstGeom prst="rect">
-            <a:avLst/>
-          </a:prstGeom>
-        </p:spPr>
-        <p:txBody>
-          <a:bodyPr wrap="square">
-            <a:spAutoFit/>
-          </a:bodyPr>
-          <a:lstStyle/>
-          <a:p>
-            <a:pPr>
-              <a:lnSpc>
-                <a:spcPct val="150000"/>
-              </a:lnSpc>
-              <a:buFont typeface="Arial" panose="020B0604020202020204" pitchFamily="34" charset="0"/>
-              <a:buChar char="•"/>
-            </a:pPr>
-            <a:r>
-              <a:rPr lang="en-GB" sz="1400" dirty="0">
-                <a:solidFill>
-                  <a:srgbClr val="F0533A"/>
-                </a:solidFill>
-                <a:latin typeface="medium-content-serif-font"/>
-              </a:rPr>
-              <a:t>cp: </a:t>
-            </a:r>
-            <a:r>
-              <a:rPr lang="en-GB" sz="1400" dirty="0">
-                <a:solidFill>
-                  <a:schemeClr val="tx1">
-                    <a:lumMod val="75000"/>
-                    <a:lumOff val="25000"/>
-                  </a:schemeClr>
-                </a:solidFill>
-                <a:latin typeface="medium-content-serif-font"/>
-              </a:rPr>
-              <a:t>chest pain</a:t>
-            </a:r>
-            <a:r>
-              <a:rPr lang="pl-PL" sz="1400" dirty="0">
-                <a:solidFill>
-                  <a:schemeClr val="tx1">
-                    <a:lumMod val="75000"/>
-                    <a:lumOff val="25000"/>
-                  </a:schemeClr>
-                </a:solidFill>
-                <a:latin typeface="medium-content-serif-font"/>
-              </a:rPr>
-              <a:t> </a:t>
-            </a:r>
-            <a:r>
-              <a:rPr lang="en-GB" sz="1400" b="0" i="0" dirty="0">
-                <a:solidFill>
-                  <a:schemeClr val="tx1">
-                    <a:lumMod val="75000"/>
-                    <a:lumOff val="25000"/>
-                  </a:schemeClr>
-                </a:solidFill>
-                <a:effectLst/>
-                <a:latin typeface="medium-content-serif-font"/>
-              </a:rPr>
-              <a:t>when heart doesn't get as much blood and oxygen as it needs</a:t>
-            </a:r>
-            <a:r>
-              <a:rPr lang="pl-PL" sz="1400" b="0" i="0" dirty="0">
-                <a:solidFill>
-                  <a:schemeClr val="tx1">
-                    <a:lumMod val="75000"/>
-                    <a:lumOff val="25000"/>
-                  </a:schemeClr>
-                </a:solidFill>
-                <a:effectLst/>
-                <a:latin typeface="medium-content-serif-font"/>
-              </a:rPr>
-              <a:t> </a:t>
-            </a:r>
-            <a:r>
-              <a:rPr lang="pl-PL" sz="1400" b="0" i="0" dirty="0" err="1">
-                <a:solidFill>
-                  <a:schemeClr val="tx1">
-                    <a:lumMod val="75000"/>
-                    <a:lumOff val="25000"/>
-                  </a:schemeClr>
-                </a:solidFill>
-                <a:effectLst/>
-                <a:latin typeface="medium-content-serif-font"/>
-              </a:rPr>
-              <a:t>due</a:t>
-            </a:r>
-            <a:r>
-              <a:rPr lang="pl-PL" sz="1400" b="0" i="0" dirty="0">
-                <a:solidFill>
-                  <a:schemeClr val="tx1">
-                    <a:lumMod val="75000"/>
-                    <a:lumOff val="25000"/>
-                  </a:schemeClr>
-                </a:solidFill>
-                <a:effectLst/>
-                <a:latin typeface="medium-content-serif-font"/>
-              </a:rPr>
-              <a:t> to </a:t>
-            </a:r>
-            <a:r>
-              <a:rPr lang="pl-PL" sz="1400" b="0" i="0" dirty="0" err="1">
-                <a:solidFill>
-                  <a:schemeClr val="tx1">
-                    <a:lumMod val="75000"/>
-                    <a:lumOff val="25000"/>
-                  </a:schemeClr>
-                </a:solidFill>
-                <a:effectLst/>
-                <a:latin typeface="medium-content-serif-font"/>
-              </a:rPr>
-              <a:t>arteries</a:t>
-            </a:r>
-            <a:r>
-              <a:rPr lang="pl-PL" sz="1400" b="0" i="0" dirty="0">
-                <a:solidFill>
-                  <a:schemeClr val="tx1">
-                    <a:lumMod val="75000"/>
-                    <a:lumOff val="25000"/>
-                  </a:schemeClr>
-                </a:solidFill>
-                <a:effectLst/>
-                <a:latin typeface="medium-content-serif-font"/>
-              </a:rPr>
-              <a:t> </a:t>
-            </a:r>
-            <a:r>
-              <a:rPr lang="pl-PL" sz="1400" b="0" i="0" dirty="0" err="1">
-                <a:solidFill>
-                  <a:schemeClr val="tx1">
-                    <a:lumMod val="75000"/>
-                    <a:lumOff val="25000"/>
-                  </a:schemeClr>
-                </a:solidFill>
-                <a:effectLst/>
-                <a:latin typeface="medium-content-serif-font"/>
-              </a:rPr>
-              <a:t>being</a:t>
-            </a:r>
-            <a:r>
-              <a:rPr lang="pl-PL" sz="1400" b="0" i="0" dirty="0">
-                <a:solidFill>
-                  <a:schemeClr val="tx1">
-                    <a:lumMod val="75000"/>
-                    <a:lumOff val="25000"/>
-                  </a:schemeClr>
-                </a:solidFill>
-                <a:effectLst/>
-                <a:latin typeface="medium-content-serif-font"/>
-              </a:rPr>
-              <a:t> </a:t>
-            </a:r>
-            <a:r>
-              <a:rPr lang="en-GB" sz="1400" b="0" i="0" dirty="0">
-                <a:solidFill>
-                  <a:schemeClr val="tx1">
-                    <a:lumMod val="75000"/>
-                    <a:lumOff val="25000"/>
-                  </a:schemeClr>
-                </a:solidFill>
-                <a:effectLst/>
-                <a:latin typeface="medium-content-serif-font"/>
-              </a:rPr>
-              <a:t>clogged with plaque</a:t>
-            </a:r>
-            <a:r>
-              <a:rPr lang="pl-PL" sz="1400" b="0" i="0" dirty="0">
-                <a:solidFill>
-                  <a:schemeClr val="tx1">
-                    <a:lumMod val="75000"/>
-                    <a:lumOff val="25000"/>
-                  </a:schemeClr>
-                </a:solidFill>
-                <a:effectLst/>
-                <a:latin typeface="medium-content-serif-font"/>
-              </a:rPr>
-              <a:t> and </a:t>
-            </a:r>
-            <a:r>
-              <a:rPr lang="en-GB" sz="1400" b="0" i="0" dirty="0">
-                <a:solidFill>
-                  <a:schemeClr val="tx1">
-                    <a:lumMod val="75000"/>
-                    <a:lumOff val="25000"/>
-                  </a:schemeClr>
-                </a:solidFill>
-                <a:effectLst/>
-                <a:latin typeface="medium-content-serif-font"/>
-              </a:rPr>
-              <a:t>not enough blood can flow through </a:t>
-            </a:r>
-            <a:r>
-              <a:rPr lang="en-GB" sz="1400" dirty="0">
-                <a:solidFill>
-                  <a:schemeClr val="tx1">
-                    <a:lumMod val="75000"/>
-                    <a:lumOff val="25000"/>
-                  </a:schemeClr>
-                </a:solidFill>
-                <a:latin typeface="medium-content-serif-font"/>
-              </a:rPr>
-              <a:t>(1: typical angina, 2: atypical angina, </a:t>
-            </a:r>
-            <a:r>
-              <a:rPr lang="pl-PL" sz="1400" dirty="0">
-                <a:solidFill>
-                  <a:schemeClr val="tx1">
-                    <a:lumMod val="75000"/>
-                    <a:lumOff val="25000"/>
-                  </a:schemeClr>
-                </a:solidFill>
-                <a:latin typeface="medium-content-serif-font"/>
-              </a:rPr>
-              <a:t>3</a:t>
-            </a:r>
-            <a:r>
-              <a:rPr lang="en-GB" sz="1400" dirty="0">
-                <a:solidFill>
-                  <a:schemeClr val="tx1">
-                    <a:lumMod val="75000"/>
-                    <a:lumOff val="25000"/>
-                  </a:schemeClr>
-                </a:solidFill>
-                <a:latin typeface="medium-content-serif-font"/>
-              </a:rPr>
-              <a:t>: non-anginal pain, 4: asymptomatic)</a:t>
-            </a:r>
-          </a:p>
-          <a:p>
-            <a:pPr>
-              <a:lnSpc>
-                <a:spcPct val="150000"/>
-              </a:lnSpc>
-              <a:buFont typeface="Arial" panose="020B0604020202020204" pitchFamily="34" charset="0"/>
-              <a:buChar char="•"/>
-            </a:pPr>
-            <a:r>
-              <a:rPr lang="en-GB" sz="1400" dirty="0" err="1">
-                <a:solidFill>
-                  <a:srgbClr val="F0533A"/>
-                </a:solidFill>
-                <a:latin typeface="medium-content-serif-font"/>
-              </a:rPr>
-              <a:t>trestbps</a:t>
-            </a:r>
-            <a:r>
-              <a:rPr lang="en-GB" sz="1400" dirty="0">
-                <a:solidFill>
-                  <a:srgbClr val="F0533A"/>
-                </a:solidFill>
-                <a:latin typeface="medium-content-serif-font"/>
-              </a:rPr>
-              <a:t>: </a:t>
-            </a:r>
-            <a:r>
-              <a:rPr lang="pl-PL" sz="1400" dirty="0">
-                <a:solidFill>
-                  <a:schemeClr val="tx1">
-                    <a:lumMod val="75000"/>
-                    <a:lumOff val="25000"/>
-                  </a:schemeClr>
-                </a:solidFill>
-                <a:latin typeface="medium-content-serif-font"/>
-              </a:rPr>
-              <a:t>r</a:t>
-            </a:r>
-            <a:r>
-              <a:rPr lang="en-GB" sz="1400" dirty="0" err="1">
-                <a:solidFill>
-                  <a:schemeClr val="tx1">
-                    <a:lumMod val="75000"/>
-                    <a:lumOff val="25000"/>
-                  </a:schemeClr>
-                </a:solidFill>
-                <a:latin typeface="medium-content-serif-font"/>
-              </a:rPr>
-              <a:t>esting</a:t>
-            </a:r>
-            <a:r>
-              <a:rPr lang="en-GB" sz="1400" dirty="0">
-                <a:solidFill>
-                  <a:schemeClr val="tx1">
-                    <a:lumMod val="75000"/>
-                    <a:lumOff val="25000"/>
-                  </a:schemeClr>
-                </a:solidFill>
-                <a:latin typeface="medium-content-serif-font"/>
-              </a:rPr>
-              <a:t> blood pressure </a:t>
-            </a:r>
-            <a:r>
-              <a:rPr lang="pl-PL" sz="1400" dirty="0">
-                <a:solidFill>
-                  <a:schemeClr val="tx1">
-                    <a:lumMod val="75000"/>
-                    <a:lumOff val="25000"/>
-                  </a:schemeClr>
-                </a:solidFill>
-                <a:latin typeface="medium-content-serif-font"/>
-              </a:rPr>
-              <a:t>(</a:t>
-            </a:r>
-            <a:r>
-              <a:rPr lang="pl-PL" sz="1400" dirty="0" err="1">
-                <a:solidFill>
-                  <a:schemeClr val="tx1">
-                    <a:lumMod val="75000"/>
-                    <a:lumOff val="25000"/>
-                  </a:schemeClr>
-                </a:solidFill>
-                <a:latin typeface="medium-content-serif-font"/>
-              </a:rPr>
-              <a:t>normal</a:t>
-            </a:r>
-            <a:r>
-              <a:rPr lang="pl-PL" sz="1400" dirty="0">
-                <a:solidFill>
-                  <a:schemeClr val="tx1">
-                    <a:lumMod val="75000"/>
-                    <a:lumOff val="25000"/>
-                  </a:schemeClr>
-                </a:solidFill>
-                <a:latin typeface="medium-content-serif-font"/>
-              </a:rPr>
-              <a:t> 120/80 </a:t>
-            </a:r>
-            <a:r>
-              <a:rPr lang="en-GB" sz="1400" dirty="0">
-                <a:solidFill>
-                  <a:schemeClr val="tx1">
-                    <a:lumMod val="75000"/>
-                    <a:lumOff val="25000"/>
-                  </a:schemeClr>
-                </a:solidFill>
-                <a:latin typeface="medium-content-serif-font"/>
-              </a:rPr>
-              <a:t>mm Hg </a:t>
-            </a:r>
-            <a:r>
-              <a:rPr lang="pl-PL" sz="1400" dirty="0">
-                <a:solidFill>
-                  <a:schemeClr val="tx1">
-                    <a:lumMod val="75000"/>
-                    <a:lumOff val="25000"/>
-                  </a:schemeClr>
-                </a:solidFill>
-                <a:latin typeface="medium-content-serif-font"/>
-              </a:rPr>
-              <a:t>)</a:t>
-            </a:r>
-            <a:endParaRPr lang="en-GB" sz="1400" dirty="0">
-              <a:solidFill>
-                <a:schemeClr val="tx1">
-                  <a:lumMod val="75000"/>
-                  <a:lumOff val="25000"/>
-                </a:schemeClr>
-              </a:solidFill>
-              <a:latin typeface="medium-content-serif-font"/>
-            </a:endParaRPr>
-          </a:p>
-          <a:p>
-            <a:pPr>
-              <a:lnSpc>
-                <a:spcPct val="150000"/>
-              </a:lnSpc>
-              <a:buFont typeface="Arial" panose="020B0604020202020204" pitchFamily="34" charset="0"/>
-              <a:buChar char="•"/>
-            </a:pPr>
-            <a:r>
-              <a:rPr lang="en-GB" sz="1400" dirty="0" err="1">
-                <a:solidFill>
-                  <a:srgbClr val="F0533A"/>
-                </a:solidFill>
-                <a:latin typeface="medium-content-serif-font"/>
-              </a:rPr>
-              <a:t>chol</a:t>
-            </a:r>
-            <a:r>
-              <a:rPr lang="en-GB" sz="1400" dirty="0">
-                <a:solidFill>
-                  <a:srgbClr val="F0533A"/>
-                </a:solidFill>
-                <a:latin typeface="medium-content-serif-font"/>
-              </a:rPr>
-              <a:t>: </a:t>
-            </a:r>
-            <a:r>
-              <a:rPr lang="en-GB" sz="1400" dirty="0">
-                <a:solidFill>
-                  <a:schemeClr val="tx1">
-                    <a:lumMod val="75000"/>
-                    <a:lumOff val="25000"/>
-                  </a:schemeClr>
-                </a:solidFill>
-                <a:latin typeface="medium-content-serif-font"/>
-              </a:rPr>
-              <a:t>cholesterol</a:t>
-            </a:r>
-            <a:r>
-              <a:rPr lang="pl-PL" sz="1400" dirty="0">
-                <a:solidFill>
-                  <a:schemeClr val="tx1">
-                    <a:lumMod val="75000"/>
-                    <a:lumOff val="25000"/>
-                  </a:schemeClr>
-                </a:solidFill>
-                <a:latin typeface="medium-content-serif-font"/>
-              </a:rPr>
-              <a:t> (</a:t>
-            </a:r>
-            <a:r>
-              <a:rPr lang="pl-PL" sz="1400" dirty="0" err="1">
-                <a:solidFill>
-                  <a:schemeClr val="tx1">
-                    <a:lumMod val="75000"/>
-                    <a:lumOff val="25000"/>
-                  </a:schemeClr>
-                </a:solidFill>
-                <a:latin typeface="medium-content-serif-font"/>
-              </a:rPr>
-              <a:t>normal</a:t>
-            </a:r>
-            <a:r>
-              <a:rPr lang="pl-PL" sz="1400" dirty="0">
-                <a:solidFill>
-                  <a:schemeClr val="tx1">
-                    <a:lumMod val="75000"/>
-                    <a:lumOff val="25000"/>
-                  </a:schemeClr>
-                </a:solidFill>
-                <a:latin typeface="medium-content-serif-font"/>
-              </a:rPr>
-              <a:t> less </a:t>
-            </a:r>
-            <a:r>
-              <a:rPr lang="pl-PL" sz="1400" dirty="0" err="1">
-                <a:solidFill>
-                  <a:schemeClr val="tx1">
-                    <a:lumMod val="75000"/>
-                    <a:lumOff val="25000"/>
-                  </a:schemeClr>
-                </a:solidFill>
-                <a:latin typeface="medium-content-serif-font"/>
-              </a:rPr>
-              <a:t>than</a:t>
-            </a:r>
-            <a:r>
-              <a:rPr lang="pl-PL" sz="1400" dirty="0">
-                <a:solidFill>
-                  <a:schemeClr val="tx1">
-                    <a:lumMod val="75000"/>
-                    <a:lumOff val="25000"/>
-                  </a:schemeClr>
-                </a:solidFill>
-                <a:latin typeface="medium-content-serif-font"/>
-              </a:rPr>
-              <a:t> 170</a:t>
-            </a:r>
-            <a:r>
-              <a:rPr lang="en-GB" sz="1400" dirty="0">
-                <a:solidFill>
-                  <a:schemeClr val="tx1">
-                    <a:lumMod val="75000"/>
-                    <a:lumOff val="25000"/>
-                  </a:schemeClr>
-                </a:solidFill>
-                <a:latin typeface="medium-content-serif-font"/>
-              </a:rPr>
-              <a:t> mg/dl</a:t>
-            </a:r>
-            <a:r>
-              <a:rPr lang="pl-PL" sz="1400" dirty="0">
-                <a:solidFill>
-                  <a:schemeClr val="tx1">
-                    <a:lumMod val="75000"/>
-                    <a:lumOff val="25000"/>
-                  </a:schemeClr>
-                </a:solidFill>
-                <a:latin typeface="medium-content-serif-font"/>
-              </a:rPr>
-              <a:t>)</a:t>
-            </a:r>
-            <a:endParaRPr lang="en-GB" sz="1400" dirty="0">
-              <a:solidFill>
-                <a:schemeClr val="tx1">
-                  <a:lumMod val="75000"/>
-                  <a:lumOff val="25000"/>
-                </a:schemeClr>
-              </a:solidFill>
-              <a:latin typeface="medium-content-serif-font"/>
-            </a:endParaRPr>
-          </a:p>
-          <a:p>
-            <a:pPr>
-              <a:lnSpc>
-                <a:spcPct val="150000"/>
-              </a:lnSpc>
-              <a:buFont typeface="Arial" panose="020B0604020202020204" pitchFamily="34" charset="0"/>
-              <a:buChar char="•"/>
-            </a:pPr>
-            <a:r>
-              <a:rPr lang="en-GB" sz="1400" dirty="0" err="1">
-                <a:solidFill>
-                  <a:srgbClr val="F0533A"/>
-                </a:solidFill>
-                <a:latin typeface="medium-content-serif-font"/>
-              </a:rPr>
-              <a:t>fbs</a:t>
-            </a:r>
-            <a:r>
-              <a:rPr lang="en-GB" sz="1400" dirty="0">
-                <a:solidFill>
-                  <a:srgbClr val="F0533A"/>
-                </a:solidFill>
-                <a:latin typeface="medium-content-serif-font"/>
-              </a:rPr>
-              <a:t>: </a:t>
-            </a:r>
-            <a:r>
-              <a:rPr lang="en-GB" sz="1400" dirty="0">
-                <a:solidFill>
-                  <a:schemeClr val="tx1">
-                    <a:lumMod val="75000"/>
-                    <a:lumOff val="25000"/>
-                  </a:schemeClr>
-                </a:solidFill>
-                <a:latin typeface="medium-content-serif-font"/>
-              </a:rPr>
-              <a:t>fasting blood sugar (&gt; 120 mg/dl, 1 = true; 0 = false)</a:t>
-            </a:r>
-            <a:r>
-              <a:rPr lang="pl-PL" sz="1400" dirty="0">
-                <a:solidFill>
-                  <a:schemeClr val="tx1">
-                    <a:lumMod val="75000"/>
-                    <a:lumOff val="25000"/>
-                  </a:schemeClr>
-                </a:solidFill>
-                <a:latin typeface="medium-content-serif-font"/>
-              </a:rPr>
-              <a:t> (</a:t>
-            </a:r>
-            <a:r>
-              <a:rPr lang="pl-PL" sz="1400" dirty="0" err="1">
-                <a:solidFill>
-                  <a:schemeClr val="tx1">
-                    <a:lumMod val="75000"/>
-                    <a:lumOff val="25000"/>
-                  </a:schemeClr>
-                </a:solidFill>
-                <a:latin typeface="medium-content-serif-font"/>
-              </a:rPr>
-              <a:t>normal</a:t>
-            </a:r>
-            <a:r>
-              <a:rPr lang="pl-PL" sz="1400" dirty="0">
-                <a:solidFill>
-                  <a:schemeClr val="tx1">
-                    <a:lumMod val="75000"/>
-                    <a:lumOff val="25000"/>
-                  </a:schemeClr>
-                </a:solidFill>
-                <a:latin typeface="medium-content-serif-font"/>
-              </a:rPr>
-              <a:t> </a:t>
-            </a:r>
-            <a:r>
-              <a:rPr lang="pl-PL" sz="1400" dirty="0" err="1">
-                <a:solidFill>
-                  <a:schemeClr val="tx1">
-                    <a:lumMod val="75000"/>
-                    <a:lumOff val="25000"/>
-                  </a:schemeClr>
-                </a:solidFill>
-                <a:latin typeface="medium-content-serif-font"/>
-              </a:rPr>
-              <a:t>below</a:t>
-            </a:r>
-            <a:r>
-              <a:rPr lang="pl-PL" sz="1400" dirty="0">
-                <a:solidFill>
-                  <a:schemeClr val="tx1">
-                    <a:lumMod val="75000"/>
-                    <a:lumOff val="25000"/>
-                  </a:schemeClr>
-                </a:solidFill>
-                <a:latin typeface="medium-content-serif-font"/>
-              </a:rPr>
-              <a:t> 100)</a:t>
-            </a:r>
-            <a:endParaRPr lang="en-GB" sz="1400" dirty="0">
-              <a:solidFill>
-                <a:schemeClr val="tx1">
-                  <a:lumMod val="75000"/>
-                  <a:lumOff val="25000"/>
-                </a:schemeClr>
-              </a:solidFill>
-              <a:latin typeface="medium-content-serif-font"/>
-            </a:endParaRPr>
-          </a:p>
-          <a:p>
-            <a:pPr>
-              <a:lnSpc>
-                <a:spcPct val="150000"/>
-              </a:lnSpc>
-              <a:buFont typeface="Arial" panose="020B0604020202020204" pitchFamily="34" charset="0"/>
-              <a:buChar char="•"/>
-            </a:pPr>
-            <a:r>
-              <a:rPr lang="en-GB" sz="1400" dirty="0" err="1">
-                <a:solidFill>
-                  <a:srgbClr val="F0533A"/>
-                </a:solidFill>
-                <a:latin typeface="medium-content-serif-font"/>
-              </a:rPr>
-              <a:t>restecg</a:t>
-            </a:r>
-            <a:r>
-              <a:rPr lang="en-GB" sz="1400" dirty="0">
-                <a:solidFill>
-                  <a:srgbClr val="F0533A"/>
-                </a:solidFill>
-                <a:latin typeface="medium-content-serif-font"/>
-              </a:rPr>
-              <a:t>: </a:t>
-            </a:r>
-            <a:r>
-              <a:rPr lang="pl-PL" sz="1400" dirty="0">
-                <a:solidFill>
-                  <a:schemeClr val="tx1">
-                    <a:lumMod val="75000"/>
-                    <a:lumOff val="25000"/>
-                  </a:schemeClr>
-                </a:solidFill>
-                <a:latin typeface="medium-content-serif-font"/>
-              </a:rPr>
-              <a:t>r</a:t>
-            </a:r>
-            <a:r>
-              <a:rPr lang="en-GB" sz="1400" dirty="0" err="1">
-                <a:solidFill>
-                  <a:schemeClr val="tx1">
-                    <a:lumMod val="75000"/>
-                    <a:lumOff val="25000"/>
-                  </a:schemeClr>
-                </a:solidFill>
-                <a:latin typeface="medium-content-serif-font"/>
-              </a:rPr>
-              <a:t>esting</a:t>
-            </a:r>
-            <a:r>
-              <a:rPr lang="en-GB" sz="1400" dirty="0">
-                <a:solidFill>
-                  <a:schemeClr val="tx1">
-                    <a:lumMod val="75000"/>
-                    <a:lumOff val="25000"/>
-                  </a:schemeClr>
-                </a:solidFill>
-                <a:latin typeface="medium-content-serif-font"/>
-              </a:rPr>
-              <a:t> electrocardiographic</a:t>
-            </a:r>
-            <a:r>
-              <a:rPr lang="pl-PL" sz="1400" dirty="0">
-                <a:solidFill>
-                  <a:schemeClr val="tx1">
-                    <a:lumMod val="75000"/>
-                    <a:lumOff val="25000"/>
-                  </a:schemeClr>
-                </a:solidFill>
-                <a:latin typeface="medium-content-serif-font"/>
-              </a:rPr>
-              <a:t>-EKG</a:t>
-            </a:r>
-            <a:r>
-              <a:rPr lang="en-GB" sz="1400" dirty="0">
-                <a:solidFill>
-                  <a:schemeClr val="tx1">
-                    <a:lumMod val="75000"/>
-                    <a:lumOff val="25000"/>
-                  </a:schemeClr>
-                </a:solidFill>
-                <a:latin typeface="medium-content-serif-font"/>
-              </a:rPr>
-              <a:t> (0</a:t>
-            </a:r>
-            <a:r>
-              <a:rPr lang="pl-PL" sz="1400" dirty="0">
-                <a:solidFill>
-                  <a:schemeClr val="tx1">
-                    <a:lumMod val="75000"/>
-                    <a:lumOff val="25000"/>
-                  </a:schemeClr>
-                </a:solidFill>
-                <a:latin typeface="medium-content-serif-font"/>
-              </a:rPr>
-              <a:t>: </a:t>
-            </a:r>
-            <a:r>
-              <a:rPr lang="en-GB" sz="1400" dirty="0">
-                <a:solidFill>
-                  <a:schemeClr val="tx1">
-                    <a:lumMod val="75000"/>
-                    <a:lumOff val="25000"/>
-                  </a:schemeClr>
-                </a:solidFill>
-                <a:latin typeface="medium-content-serif-font"/>
-              </a:rPr>
-              <a:t>normal, 1</a:t>
-            </a:r>
-            <a:r>
-              <a:rPr lang="pl-PL" sz="1400" dirty="0">
-                <a:solidFill>
-                  <a:schemeClr val="tx1">
-                    <a:lumMod val="75000"/>
-                    <a:lumOff val="25000"/>
-                  </a:schemeClr>
-                </a:solidFill>
-                <a:latin typeface="medium-content-serif-font"/>
-              </a:rPr>
-              <a:t>:</a:t>
-            </a:r>
-            <a:r>
-              <a:rPr lang="en-GB" sz="1400" dirty="0">
-                <a:solidFill>
-                  <a:schemeClr val="tx1">
-                    <a:lumMod val="75000"/>
-                    <a:lumOff val="25000"/>
-                  </a:schemeClr>
-                </a:solidFill>
-                <a:latin typeface="medium-content-serif-font"/>
-              </a:rPr>
-              <a:t>ST-T wave abnormality, 2</a:t>
-            </a:r>
-            <a:r>
-              <a:rPr lang="pl-PL" sz="1400" dirty="0">
-                <a:solidFill>
-                  <a:schemeClr val="tx1">
-                    <a:lumMod val="75000"/>
-                    <a:lumOff val="25000"/>
-                  </a:schemeClr>
-                </a:solidFill>
-                <a:latin typeface="medium-content-serif-font"/>
-              </a:rPr>
-              <a:t>: </a:t>
-            </a:r>
-            <a:r>
-              <a:rPr lang="en-GB" sz="1400" dirty="0">
-                <a:solidFill>
-                  <a:schemeClr val="tx1">
-                    <a:lumMod val="75000"/>
-                    <a:lumOff val="25000"/>
-                  </a:schemeClr>
-                </a:solidFill>
-                <a:latin typeface="medium-content-serif-font"/>
-              </a:rPr>
-              <a:t>showing probable or definite left ventricular hypertrophy by Estes' criteria)</a:t>
-            </a:r>
-            <a:r>
-              <a:rPr lang="pl-PL" sz="1400" dirty="0">
-                <a:solidFill>
-                  <a:schemeClr val="tx1">
-                    <a:lumMod val="75000"/>
-                    <a:lumOff val="25000"/>
-                  </a:schemeClr>
-                </a:solidFill>
-                <a:latin typeface="medium-content-serif-font"/>
-              </a:rPr>
-              <a:t> – </a:t>
-            </a:r>
-            <a:r>
-              <a:rPr lang="pl-PL" sz="1400" dirty="0" err="1">
-                <a:solidFill>
-                  <a:schemeClr val="tx1">
-                    <a:lumMod val="75000"/>
-                    <a:lumOff val="25000"/>
-                  </a:schemeClr>
-                </a:solidFill>
-                <a:latin typeface="medium-content-serif-font"/>
-              </a:rPr>
-              <a:t>how</a:t>
-            </a:r>
-            <a:r>
-              <a:rPr lang="pl-PL" sz="1400" dirty="0">
-                <a:solidFill>
-                  <a:schemeClr val="tx1">
-                    <a:lumMod val="75000"/>
-                    <a:lumOff val="25000"/>
-                  </a:schemeClr>
-                </a:solidFill>
-                <a:latin typeface="medium-content-serif-font"/>
-              </a:rPr>
-              <a:t> fast the </a:t>
-            </a:r>
-            <a:r>
-              <a:rPr lang="en-GB" sz="1400" b="0" i="0" dirty="0">
-                <a:solidFill>
-                  <a:schemeClr val="tx1">
-                    <a:lumMod val="75000"/>
-                    <a:lumOff val="25000"/>
-                  </a:schemeClr>
-                </a:solidFill>
-                <a:effectLst/>
-                <a:latin typeface="Montserrat"/>
-              </a:rPr>
-              <a:t>electrical impulse (</a:t>
-            </a:r>
-            <a:r>
-              <a:rPr lang="pl-PL" sz="1400" dirty="0">
-                <a:solidFill>
-                  <a:schemeClr val="tx1">
-                    <a:lumMod val="75000"/>
-                    <a:lumOff val="25000"/>
-                  </a:schemeClr>
-                </a:solidFill>
-                <a:latin typeface="Montserrat"/>
-              </a:rPr>
-              <a:t>„</a:t>
-            </a:r>
-            <a:r>
-              <a:rPr lang="en-GB" sz="1400" b="0" i="0" dirty="0">
-                <a:solidFill>
-                  <a:schemeClr val="tx1">
-                    <a:lumMod val="75000"/>
-                    <a:lumOff val="25000"/>
-                  </a:schemeClr>
-                </a:solidFill>
-                <a:effectLst/>
-                <a:latin typeface="Montserrat"/>
-              </a:rPr>
-              <a:t>wave”) travels through the heart</a:t>
-            </a:r>
-            <a:r>
-              <a:rPr lang="pl-PL" sz="1400" b="0" i="0" dirty="0">
-                <a:solidFill>
-                  <a:schemeClr val="tx1">
-                    <a:lumMod val="75000"/>
-                    <a:lumOff val="25000"/>
-                  </a:schemeClr>
-                </a:solidFill>
-                <a:effectLst/>
-                <a:latin typeface="Montserrat"/>
-              </a:rPr>
-              <a:t> </a:t>
-            </a:r>
-            <a:r>
-              <a:rPr lang="en-GB" sz="1400" b="0" i="0" dirty="0">
-                <a:solidFill>
-                  <a:schemeClr val="tx1">
-                    <a:lumMod val="75000"/>
-                    <a:lumOff val="25000"/>
-                  </a:schemeClr>
-                </a:solidFill>
-                <a:effectLst/>
-                <a:latin typeface="Montserrat"/>
-              </a:rPr>
-              <a:t>top and lower chambers</a:t>
-            </a:r>
-            <a:endParaRPr lang="en-GB" sz="1400" dirty="0">
-              <a:solidFill>
-                <a:schemeClr val="tx1">
-                  <a:lumMod val="75000"/>
-                  <a:lumOff val="25000"/>
-                </a:schemeClr>
-              </a:solidFill>
-              <a:latin typeface="medium-content-serif-font"/>
-            </a:endParaRPr>
-          </a:p>
-          <a:p>
-            <a:pPr>
-              <a:lnSpc>
-                <a:spcPct val="150000"/>
-              </a:lnSpc>
-              <a:buFont typeface="Arial" panose="020B0604020202020204" pitchFamily="34" charset="0"/>
-              <a:buChar char="•"/>
-            </a:pPr>
-            <a:r>
-              <a:rPr lang="en-GB" sz="1400" dirty="0" err="1">
-                <a:solidFill>
-                  <a:srgbClr val="F0533A"/>
-                </a:solidFill>
-                <a:latin typeface="medium-content-serif-font"/>
-              </a:rPr>
-              <a:t>thalach</a:t>
-            </a:r>
-            <a:r>
-              <a:rPr lang="en-GB" sz="1400" dirty="0">
-                <a:solidFill>
-                  <a:srgbClr val="F0533A"/>
-                </a:solidFill>
-                <a:latin typeface="medium-content-serif-font"/>
-              </a:rPr>
-              <a:t>: </a:t>
-            </a:r>
-            <a:r>
-              <a:rPr lang="en-GB" sz="1400" dirty="0">
-                <a:solidFill>
-                  <a:schemeClr val="tx1">
-                    <a:lumMod val="75000"/>
-                    <a:lumOff val="25000"/>
-                  </a:schemeClr>
-                </a:solidFill>
-                <a:latin typeface="medium-content-serif-font"/>
-              </a:rPr>
-              <a:t>maximum heart rate achieved</a:t>
-            </a:r>
-            <a:r>
-              <a:rPr lang="pl-PL" sz="1400" dirty="0">
-                <a:solidFill>
-                  <a:schemeClr val="tx1">
-                    <a:lumMod val="75000"/>
-                    <a:lumOff val="25000"/>
-                  </a:schemeClr>
-                </a:solidFill>
-                <a:latin typeface="medium-content-serif-font"/>
-              </a:rPr>
-              <a:t> (</a:t>
-            </a:r>
-            <a:r>
-              <a:rPr lang="pl-PL" sz="1400" dirty="0" err="1">
-                <a:solidFill>
-                  <a:schemeClr val="tx1">
-                    <a:lumMod val="75000"/>
-                    <a:lumOff val="25000"/>
-                  </a:schemeClr>
-                </a:solidFill>
-                <a:latin typeface="medium-content-serif-font"/>
-              </a:rPr>
-              <a:t>normal</a:t>
-            </a:r>
-            <a:r>
-              <a:rPr lang="pl-PL" sz="1400" dirty="0">
-                <a:solidFill>
-                  <a:schemeClr val="tx1">
-                    <a:lumMod val="75000"/>
-                    <a:lumOff val="25000"/>
-                  </a:schemeClr>
-                </a:solidFill>
-                <a:latin typeface="medium-content-serif-font"/>
-              </a:rPr>
-              <a:t>: 220 minus </a:t>
-            </a:r>
-            <a:r>
-              <a:rPr lang="pl-PL" sz="1400" dirty="0" err="1">
-                <a:solidFill>
-                  <a:schemeClr val="tx1">
-                    <a:lumMod val="75000"/>
-                    <a:lumOff val="25000"/>
-                  </a:schemeClr>
-                </a:solidFill>
-                <a:latin typeface="medium-content-serif-font"/>
-              </a:rPr>
-              <a:t>age</a:t>
-            </a:r>
-            <a:r>
-              <a:rPr lang="pl-PL" sz="1400" dirty="0">
-                <a:solidFill>
-                  <a:schemeClr val="tx1">
-                    <a:lumMod val="75000"/>
-                    <a:lumOff val="25000"/>
-                  </a:schemeClr>
-                </a:solidFill>
-                <a:latin typeface="medium-content-serif-font"/>
-              </a:rPr>
-              <a:t>)</a:t>
-            </a:r>
-            <a:endParaRPr lang="en-GB" sz="1400" dirty="0">
-              <a:solidFill>
-                <a:schemeClr val="tx1">
-                  <a:lumMod val="75000"/>
-                  <a:lumOff val="25000"/>
-                </a:schemeClr>
-              </a:solidFill>
-              <a:latin typeface="medium-content-serif-font"/>
-            </a:endParaRPr>
-          </a:p>
-          <a:p>
-            <a:pPr>
-              <a:lnSpc>
-                <a:spcPct val="150000"/>
-              </a:lnSpc>
-              <a:buFont typeface="Arial" panose="020B0604020202020204" pitchFamily="34" charset="0"/>
-              <a:buChar char="•"/>
-            </a:pPr>
-            <a:r>
-              <a:rPr lang="en-GB" sz="1400" dirty="0" err="1">
-                <a:solidFill>
-                  <a:srgbClr val="F0533A"/>
-                </a:solidFill>
-                <a:latin typeface="medium-content-serif-font"/>
-              </a:rPr>
-              <a:t>exang</a:t>
-            </a:r>
-            <a:r>
-              <a:rPr lang="en-GB" sz="1400" dirty="0">
-                <a:solidFill>
-                  <a:srgbClr val="F0533A"/>
-                </a:solidFill>
-                <a:latin typeface="medium-content-serif-font"/>
-              </a:rPr>
-              <a:t>: </a:t>
-            </a:r>
-            <a:r>
-              <a:rPr lang="pl-PL" sz="1400" dirty="0">
-                <a:solidFill>
-                  <a:schemeClr val="tx1">
-                    <a:lumMod val="75000"/>
-                    <a:lumOff val="25000"/>
-                  </a:schemeClr>
-                </a:solidFill>
-                <a:latin typeface="medium-content-serif-font"/>
-              </a:rPr>
-              <a:t>e</a:t>
-            </a:r>
-            <a:r>
-              <a:rPr lang="en-GB" sz="1400" dirty="0" err="1">
-                <a:solidFill>
-                  <a:schemeClr val="tx1">
-                    <a:lumMod val="75000"/>
-                    <a:lumOff val="25000"/>
-                  </a:schemeClr>
-                </a:solidFill>
-                <a:latin typeface="medium-content-serif-font"/>
-              </a:rPr>
-              <a:t>xercise</a:t>
-            </a:r>
-            <a:r>
-              <a:rPr lang="en-GB" sz="1400" dirty="0">
-                <a:solidFill>
-                  <a:schemeClr val="tx1">
-                    <a:lumMod val="75000"/>
-                    <a:lumOff val="25000"/>
-                  </a:schemeClr>
-                </a:solidFill>
-                <a:latin typeface="medium-content-serif-font"/>
-              </a:rPr>
-              <a:t> induced angina (0</a:t>
-            </a:r>
-            <a:r>
-              <a:rPr lang="pl-PL" sz="1400" dirty="0">
-                <a:solidFill>
-                  <a:schemeClr val="tx1">
-                    <a:lumMod val="75000"/>
-                    <a:lumOff val="25000"/>
-                  </a:schemeClr>
-                </a:solidFill>
-                <a:latin typeface="medium-content-serif-font"/>
-              </a:rPr>
-              <a:t>: </a:t>
-            </a:r>
-            <a:r>
-              <a:rPr lang="en-GB" sz="1400" dirty="0">
-                <a:solidFill>
-                  <a:schemeClr val="tx1">
-                    <a:lumMod val="75000"/>
-                    <a:lumOff val="25000"/>
-                  </a:schemeClr>
-                </a:solidFill>
-                <a:latin typeface="medium-content-serif-font"/>
-              </a:rPr>
-              <a:t>no, 1</a:t>
-            </a:r>
-            <a:r>
-              <a:rPr lang="pl-PL" sz="1400" dirty="0">
-                <a:solidFill>
-                  <a:schemeClr val="tx1">
-                    <a:lumMod val="75000"/>
-                    <a:lumOff val="25000"/>
-                  </a:schemeClr>
-                </a:solidFill>
-                <a:latin typeface="medium-content-serif-font"/>
-              </a:rPr>
-              <a:t>: </a:t>
-            </a:r>
-            <a:r>
-              <a:rPr lang="en-GB" sz="1400" dirty="0">
-                <a:solidFill>
-                  <a:schemeClr val="tx1">
-                    <a:lumMod val="75000"/>
-                    <a:lumOff val="25000"/>
-                  </a:schemeClr>
-                </a:solidFill>
-                <a:latin typeface="medium-content-serif-font"/>
-              </a:rPr>
-              <a:t>yes)</a:t>
-            </a:r>
-          </a:p>
-          <a:p>
-            <a:pPr>
-              <a:lnSpc>
-                <a:spcPct val="150000"/>
-              </a:lnSpc>
-              <a:buFont typeface="Arial" panose="020B0604020202020204" pitchFamily="34" charset="0"/>
-              <a:buChar char="•"/>
-            </a:pPr>
-            <a:r>
-              <a:rPr lang="en-GB" sz="1400" dirty="0" err="1">
-                <a:solidFill>
-                  <a:srgbClr val="F0533A"/>
-                </a:solidFill>
-                <a:latin typeface="medium-content-serif-font"/>
-              </a:rPr>
-              <a:t>oldpeak</a:t>
-            </a:r>
-            <a:r>
-              <a:rPr lang="en-GB" sz="1400" dirty="0">
-                <a:solidFill>
-                  <a:srgbClr val="F0533A"/>
-                </a:solidFill>
-                <a:latin typeface="medium-content-serif-font"/>
-              </a:rPr>
-              <a:t>: </a:t>
-            </a:r>
-            <a:r>
-              <a:rPr lang="en-GB" sz="1400" dirty="0">
-                <a:solidFill>
-                  <a:schemeClr val="tx1">
-                    <a:lumMod val="75000"/>
-                    <a:lumOff val="25000"/>
-                  </a:schemeClr>
-                </a:solidFill>
-                <a:latin typeface="medium-content-serif-font"/>
-              </a:rPr>
-              <a:t>exercise</a:t>
-            </a:r>
-            <a:r>
-              <a:rPr lang="pl-PL" sz="1400" dirty="0">
-                <a:solidFill>
-                  <a:schemeClr val="tx1">
-                    <a:lumMod val="75000"/>
-                    <a:lumOff val="25000"/>
-                  </a:schemeClr>
-                </a:solidFill>
-                <a:latin typeface="medium-content-serif-font"/>
-              </a:rPr>
-              <a:t> </a:t>
-            </a:r>
-            <a:r>
-              <a:rPr lang="pl-PL" sz="1400" dirty="0" err="1">
-                <a:solidFill>
-                  <a:schemeClr val="tx1">
-                    <a:lumMod val="75000"/>
-                    <a:lumOff val="25000"/>
-                  </a:schemeClr>
-                </a:solidFill>
-                <a:latin typeface="medium-content-serif-font"/>
-              </a:rPr>
-              <a:t>induced</a:t>
-            </a:r>
-            <a:r>
-              <a:rPr lang="pl-PL" sz="1400" dirty="0">
-                <a:solidFill>
-                  <a:schemeClr val="tx1">
-                    <a:lumMod val="75000"/>
-                    <a:lumOff val="25000"/>
-                  </a:schemeClr>
-                </a:solidFill>
-                <a:latin typeface="medium-content-serif-font"/>
-              </a:rPr>
-              <a:t> ST </a:t>
-            </a:r>
-            <a:r>
-              <a:rPr lang="pl-PL" sz="1400" dirty="0" err="1">
-                <a:solidFill>
-                  <a:schemeClr val="tx1">
-                    <a:lumMod val="75000"/>
-                    <a:lumOff val="25000"/>
-                  </a:schemeClr>
-                </a:solidFill>
-                <a:latin typeface="medium-content-serif-font"/>
-              </a:rPr>
-              <a:t>depression</a:t>
-            </a:r>
-            <a:r>
-              <a:rPr lang="en-GB" sz="1400" dirty="0">
-                <a:solidFill>
-                  <a:schemeClr val="tx1">
-                    <a:lumMod val="75000"/>
-                    <a:lumOff val="25000"/>
-                  </a:schemeClr>
-                </a:solidFill>
-                <a:latin typeface="medium-content-serif-font"/>
-              </a:rPr>
-              <a:t> relative to rest ('ST' relates to positions on the E</a:t>
-            </a:r>
-            <a:r>
-              <a:rPr lang="pl-PL" sz="1400" dirty="0">
-                <a:solidFill>
-                  <a:schemeClr val="tx1">
-                    <a:lumMod val="75000"/>
-                    <a:lumOff val="25000"/>
-                  </a:schemeClr>
-                </a:solidFill>
-                <a:latin typeface="medium-content-serif-font"/>
-              </a:rPr>
-              <a:t>K</a:t>
-            </a:r>
-            <a:r>
-              <a:rPr lang="en-GB" sz="1400" dirty="0">
-                <a:solidFill>
-                  <a:schemeClr val="tx1">
-                    <a:lumMod val="75000"/>
-                    <a:lumOff val="25000"/>
-                  </a:schemeClr>
-                </a:solidFill>
-                <a:latin typeface="medium-content-serif-font"/>
-              </a:rPr>
-              <a:t>G plot)</a:t>
-            </a:r>
-          </a:p>
-          <a:p>
-            <a:pPr>
-              <a:lnSpc>
-                <a:spcPct val="150000"/>
-              </a:lnSpc>
-              <a:buFont typeface="Arial" panose="020B0604020202020204" pitchFamily="34" charset="0"/>
-              <a:buChar char="•"/>
-            </a:pPr>
-            <a:r>
-              <a:rPr lang="en-GB" sz="1400" dirty="0">
-                <a:solidFill>
-                  <a:srgbClr val="F0533A"/>
-                </a:solidFill>
-                <a:latin typeface="medium-content-serif-font"/>
-              </a:rPr>
-              <a:t>slope: </a:t>
-            </a:r>
-            <a:r>
-              <a:rPr lang="en-GB" sz="1400" dirty="0">
-                <a:solidFill>
-                  <a:schemeClr val="tx1">
-                    <a:lumMod val="75000"/>
-                    <a:lumOff val="25000"/>
-                  </a:schemeClr>
-                </a:solidFill>
-                <a:latin typeface="medium-content-serif-font"/>
-              </a:rPr>
-              <a:t>the slope of the peak exercise ST segment (1: upsloping, 2: flat, 3: </a:t>
-            </a:r>
-            <a:r>
-              <a:rPr lang="en-GB" sz="1400" dirty="0" err="1">
-                <a:solidFill>
-                  <a:schemeClr val="tx1">
-                    <a:lumMod val="75000"/>
-                    <a:lumOff val="25000"/>
-                  </a:schemeClr>
-                </a:solidFill>
-                <a:latin typeface="medium-content-serif-font"/>
-              </a:rPr>
-              <a:t>downsloping</a:t>
-            </a:r>
-            <a:r>
-              <a:rPr lang="en-GB" sz="1400" dirty="0">
-                <a:solidFill>
-                  <a:schemeClr val="tx1">
-                    <a:lumMod val="75000"/>
-                    <a:lumOff val="25000"/>
-                  </a:schemeClr>
-                </a:solidFill>
-                <a:latin typeface="medium-content-serif-font"/>
-              </a:rPr>
-              <a:t>)</a:t>
-            </a:r>
-          </a:p>
-          <a:p>
-            <a:pPr>
-              <a:lnSpc>
-                <a:spcPct val="150000"/>
-              </a:lnSpc>
-              <a:buFont typeface="Arial" panose="020B0604020202020204" pitchFamily="34" charset="0"/>
-              <a:buChar char="•"/>
-            </a:pPr>
-            <a:r>
-              <a:rPr lang="en-GB" sz="1400" dirty="0">
-                <a:solidFill>
-                  <a:srgbClr val="F0533A"/>
-                </a:solidFill>
-                <a:latin typeface="medium-content-serif-font"/>
-              </a:rPr>
-              <a:t>ca: </a:t>
-            </a:r>
-            <a:r>
-              <a:rPr lang="pl-PL" sz="1400" dirty="0">
-                <a:solidFill>
-                  <a:schemeClr val="tx1">
-                    <a:lumMod val="75000"/>
-                    <a:lumOff val="25000"/>
-                  </a:schemeClr>
-                </a:solidFill>
-                <a:latin typeface="medium-content-serif-font"/>
-              </a:rPr>
-              <a:t>the </a:t>
-            </a:r>
-            <a:r>
-              <a:rPr lang="en-GB" sz="1400" dirty="0">
-                <a:solidFill>
-                  <a:schemeClr val="tx1">
-                    <a:lumMod val="75000"/>
-                    <a:lumOff val="25000"/>
-                  </a:schemeClr>
-                </a:solidFill>
-                <a:latin typeface="medium-content-serif-font"/>
-              </a:rPr>
-              <a:t>number of major vessels </a:t>
-            </a:r>
-            <a:r>
-              <a:rPr lang="en-GB" sz="1400" dirty="0" err="1">
-                <a:solidFill>
-                  <a:schemeClr val="tx1">
-                    <a:lumMod val="75000"/>
-                    <a:lumOff val="25000"/>
-                  </a:schemeClr>
-                </a:solidFill>
-                <a:latin typeface="medium-content-serif-font"/>
-              </a:rPr>
-              <a:t>colored</a:t>
-            </a:r>
-            <a:r>
-              <a:rPr lang="en-GB" sz="1400" dirty="0">
-                <a:solidFill>
-                  <a:schemeClr val="tx1">
-                    <a:lumMod val="75000"/>
-                    <a:lumOff val="25000"/>
-                  </a:schemeClr>
-                </a:solidFill>
-                <a:latin typeface="medium-content-serif-font"/>
-              </a:rPr>
-              <a:t> by fluoroscopy (0-3)</a:t>
-            </a:r>
-          </a:p>
-          <a:p>
-            <a:pPr>
-              <a:lnSpc>
-                <a:spcPct val="150000"/>
-              </a:lnSpc>
-              <a:buFont typeface="Arial" panose="020B0604020202020204" pitchFamily="34" charset="0"/>
-              <a:buChar char="•"/>
-            </a:pPr>
-            <a:r>
-              <a:rPr lang="en-GB" sz="1400" dirty="0" err="1">
-                <a:solidFill>
-                  <a:srgbClr val="F0533A"/>
-                </a:solidFill>
-                <a:latin typeface="medium-content-serif-font"/>
-              </a:rPr>
-              <a:t>thal</a:t>
-            </a:r>
-            <a:r>
-              <a:rPr lang="en-GB" sz="1400" dirty="0">
-                <a:solidFill>
-                  <a:srgbClr val="F0533A"/>
-                </a:solidFill>
-                <a:latin typeface="medium-content-serif-font"/>
-              </a:rPr>
-              <a:t>: </a:t>
-            </a:r>
-            <a:r>
-              <a:rPr lang="pl-PL" sz="1400" dirty="0" err="1">
-                <a:solidFill>
-                  <a:schemeClr val="tx1">
-                    <a:lumMod val="75000"/>
-                    <a:lumOff val="25000"/>
-                  </a:schemeClr>
-                </a:solidFill>
-                <a:latin typeface="medium-content-serif-font"/>
-              </a:rPr>
-              <a:t>an</a:t>
-            </a:r>
-            <a:r>
-              <a:rPr lang="pl-PL" sz="1400" dirty="0">
-                <a:solidFill>
-                  <a:schemeClr val="tx1">
-                    <a:lumMod val="75000"/>
-                    <a:lumOff val="25000"/>
-                  </a:schemeClr>
-                </a:solidFill>
-                <a:latin typeface="medium-content-serif-font"/>
-              </a:rPr>
-              <a:t> </a:t>
-            </a:r>
-            <a:r>
-              <a:rPr lang="pl-PL" sz="1400" dirty="0" err="1">
-                <a:solidFill>
-                  <a:schemeClr val="tx1">
-                    <a:lumMod val="75000"/>
-                    <a:lumOff val="25000"/>
-                  </a:schemeClr>
-                </a:solidFill>
-                <a:latin typeface="medium-content-serif-font"/>
-              </a:rPr>
-              <a:t>inherited</a:t>
-            </a:r>
-            <a:r>
-              <a:rPr lang="en-GB" sz="1400" dirty="0">
-                <a:solidFill>
-                  <a:schemeClr val="tx1">
-                    <a:lumMod val="75000"/>
-                    <a:lumOff val="25000"/>
-                  </a:schemeClr>
-                </a:solidFill>
-                <a:latin typeface="medium-content-serif-font"/>
-              </a:rPr>
-              <a:t> blood disorder </a:t>
-            </a:r>
-            <a:r>
-              <a:rPr lang="pl-PL" sz="1400" dirty="0">
-                <a:solidFill>
-                  <a:schemeClr val="tx1">
-                    <a:lumMod val="75000"/>
-                    <a:lumOff val="25000"/>
-                  </a:schemeClr>
-                </a:solidFill>
-                <a:latin typeface="medium-content-serif-font"/>
-              </a:rPr>
-              <a:t>„</a:t>
-            </a:r>
-            <a:r>
-              <a:rPr lang="en-GB" sz="1400" dirty="0">
-                <a:solidFill>
-                  <a:schemeClr val="tx1">
-                    <a:lumMod val="75000"/>
-                    <a:lumOff val="25000"/>
-                  </a:schemeClr>
-                </a:solidFill>
-                <a:latin typeface="medium-content-serif-font"/>
-              </a:rPr>
-              <a:t>thalassemia</a:t>
-            </a:r>
-            <a:r>
-              <a:rPr lang="pl-PL" sz="1400" dirty="0">
-                <a:solidFill>
-                  <a:schemeClr val="tx1">
-                    <a:lumMod val="75000"/>
-                    <a:lumOff val="25000"/>
-                  </a:schemeClr>
-                </a:solidFill>
-                <a:latin typeface="medium-content-serif-font"/>
-              </a:rPr>
-              <a:t>” </a:t>
-            </a:r>
-            <a:r>
-              <a:rPr lang="pl-PL" sz="1400" dirty="0" err="1">
-                <a:solidFill>
-                  <a:schemeClr val="tx1">
-                    <a:lumMod val="75000"/>
-                    <a:lumOff val="25000"/>
-                  </a:schemeClr>
-                </a:solidFill>
-                <a:latin typeface="medium-content-serif-font"/>
-              </a:rPr>
-              <a:t>causes</a:t>
-            </a:r>
-            <a:r>
-              <a:rPr lang="en-GB" sz="1400" b="0" i="0" dirty="0">
-                <a:solidFill>
-                  <a:schemeClr val="tx1">
-                    <a:lumMod val="75000"/>
-                    <a:lumOff val="25000"/>
-                  </a:schemeClr>
-                </a:solidFill>
-                <a:effectLst/>
-                <a:latin typeface="medium-content-serif-font"/>
-              </a:rPr>
-              <a:t> body to have less </a:t>
-            </a:r>
-            <a:r>
-              <a:rPr lang="en-GB" sz="1400" b="0" i="0" dirty="0" err="1">
-                <a:solidFill>
-                  <a:schemeClr val="tx1">
-                    <a:lumMod val="75000"/>
-                    <a:lumOff val="25000"/>
-                  </a:schemeClr>
-                </a:solidFill>
-                <a:effectLst/>
-                <a:latin typeface="medium-content-serif-font"/>
-              </a:rPr>
-              <a:t>hemoglobin</a:t>
-            </a:r>
-            <a:r>
-              <a:rPr lang="en-GB" sz="1400" b="0" i="0" dirty="0">
-                <a:solidFill>
-                  <a:schemeClr val="tx1">
-                    <a:lumMod val="75000"/>
-                    <a:lumOff val="25000"/>
-                  </a:schemeClr>
-                </a:solidFill>
-                <a:effectLst/>
-                <a:latin typeface="medium-content-serif-font"/>
-              </a:rPr>
-              <a:t> than normal. </a:t>
-            </a:r>
-            <a:r>
-              <a:rPr lang="en-GB" sz="1400" b="0" i="0" dirty="0" err="1">
-                <a:solidFill>
-                  <a:schemeClr val="tx1">
-                    <a:lumMod val="75000"/>
-                    <a:lumOff val="25000"/>
-                  </a:schemeClr>
-                </a:solidFill>
-                <a:effectLst/>
-                <a:latin typeface="medium-content-serif-font"/>
-              </a:rPr>
-              <a:t>Hemoglobin</a:t>
-            </a:r>
-            <a:r>
-              <a:rPr lang="en-GB" sz="1400" b="0" i="0" dirty="0">
-                <a:solidFill>
-                  <a:schemeClr val="tx1">
-                    <a:lumMod val="75000"/>
-                    <a:lumOff val="25000"/>
-                  </a:schemeClr>
-                </a:solidFill>
-                <a:effectLst/>
-                <a:latin typeface="medium-content-serif-font"/>
-              </a:rPr>
-              <a:t> enables red blood cells to carry oxygen</a:t>
-            </a:r>
-            <a:r>
-              <a:rPr lang="pl-PL" sz="1400" b="0" i="0" dirty="0">
-                <a:solidFill>
-                  <a:schemeClr val="tx1">
-                    <a:lumMod val="75000"/>
-                    <a:lumOff val="25000"/>
-                  </a:schemeClr>
-                </a:solidFill>
-                <a:effectLst/>
-                <a:latin typeface="medium-content-serif-font"/>
-              </a:rPr>
-              <a:t> </a:t>
-            </a:r>
-            <a:r>
-              <a:rPr lang="en-GB" sz="1400" dirty="0">
-                <a:solidFill>
-                  <a:schemeClr val="tx1">
-                    <a:lumMod val="75000"/>
-                    <a:lumOff val="25000"/>
-                  </a:schemeClr>
-                </a:solidFill>
-                <a:latin typeface="medium-content-serif-font"/>
-              </a:rPr>
-              <a:t>(3</a:t>
-            </a:r>
-            <a:r>
-              <a:rPr lang="pl-PL" sz="1400" dirty="0">
-                <a:solidFill>
-                  <a:schemeClr val="tx1">
-                    <a:lumMod val="75000"/>
-                    <a:lumOff val="25000"/>
-                  </a:schemeClr>
-                </a:solidFill>
-                <a:latin typeface="medium-content-serif-font"/>
-              </a:rPr>
-              <a:t>: </a:t>
-            </a:r>
-            <a:r>
-              <a:rPr lang="en-GB" sz="1400" dirty="0">
-                <a:solidFill>
-                  <a:schemeClr val="tx1">
-                    <a:lumMod val="75000"/>
-                    <a:lumOff val="25000"/>
-                  </a:schemeClr>
-                </a:solidFill>
-                <a:latin typeface="medium-content-serif-font"/>
-              </a:rPr>
-              <a:t>normal</a:t>
-            </a:r>
-            <a:r>
-              <a:rPr lang="pl-PL" sz="1400" dirty="0">
-                <a:solidFill>
-                  <a:schemeClr val="tx1">
-                    <a:lumMod val="75000"/>
-                    <a:lumOff val="25000"/>
-                  </a:schemeClr>
-                </a:solidFill>
-                <a:latin typeface="medium-content-serif-font"/>
-              </a:rPr>
-              <a:t>,</a:t>
-            </a:r>
-            <a:r>
-              <a:rPr lang="en-GB" sz="1400" dirty="0">
-                <a:solidFill>
-                  <a:schemeClr val="tx1">
-                    <a:lumMod val="75000"/>
-                    <a:lumOff val="25000"/>
-                  </a:schemeClr>
-                </a:solidFill>
-                <a:latin typeface="medium-content-serif-font"/>
-              </a:rPr>
-              <a:t> 6</a:t>
-            </a:r>
-            <a:r>
-              <a:rPr lang="pl-PL" sz="1400" dirty="0">
-                <a:solidFill>
-                  <a:schemeClr val="tx1">
-                    <a:lumMod val="75000"/>
-                    <a:lumOff val="25000"/>
-                  </a:schemeClr>
-                </a:solidFill>
-                <a:latin typeface="medium-content-serif-font"/>
-              </a:rPr>
-              <a:t>: </a:t>
-            </a:r>
-            <a:r>
-              <a:rPr lang="en-GB" sz="1400" dirty="0">
-                <a:solidFill>
-                  <a:schemeClr val="tx1">
-                    <a:lumMod val="75000"/>
-                    <a:lumOff val="25000"/>
-                  </a:schemeClr>
-                </a:solidFill>
-                <a:latin typeface="medium-content-serif-font"/>
-              </a:rPr>
-              <a:t>fixed defect</a:t>
-            </a:r>
-            <a:r>
-              <a:rPr lang="pl-PL" sz="1400" dirty="0">
-                <a:solidFill>
-                  <a:schemeClr val="tx1">
-                    <a:lumMod val="75000"/>
-                    <a:lumOff val="25000"/>
-                  </a:schemeClr>
-                </a:solidFill>
-                <a:latin typeface="medium-content-serif-font"/>
-              </a:rPr>
-              <a:t>,</a:t>
-            </a:r>
-            <a:r>
-              <a:rPr lang="en-GB" sz="1400" dirty="0">
-                <a:solidFill>
-                  <a:schemeClr val="tx1">
-                    <a:lumMod val="75000"/>
-                    <a:lumOff val="25000"/>
-                  </a:schemeClr>
-                </a:solidFill>
-                <a:latin typeface="medium-content-serif-font"/>
-              </a:rPr>
-              <a:t> 7</a:t>
-            </a:r>
-            <a:r>
-              <a:rPr lang="pl-PL" sz="1400" dirty="0">
-                <a:solidFill>
-                  <a:schemeClr val="tx1">
-                    <a:lumMod val="75000"/>
-                    <a:lumOff val="25000"/>
-                  </a:schemeClr>
-                </a:solidFill>
-                <a:latin typeface="medium-content-serif-font"/>
-              </a:rPr>
-              <a:t>: </a:t>
-            </a:r>
-            <a:r>
-              <a:rPr lang="en-GB" sz="1400" dirty="0">
-                <a:solidFill>
-                  <a:schemeClr val="tx1">
-                    <a:lumMod val="75000"/>
-                    <a:lumOff val="25000"/>
-                  </a:schemeClr>
-                </a:solidFill>
-                <a:latin typeface="medium-content-serif-font"/>
-              </a:rPr>
-              <a:t>reversable defect)</a:t>
-            </a:r>
-          </a:p>
-          <a:p>
-            <a:pPr>
-              <a:lnSpc>
-                <a:spcPct val="150000"/>
-              </a:lnSpc>
-              <a:buFont typeface="Arial" panose="020B0604020202020204" pitchFamily="34" charset="0"/>
-              <a:buChar char="•"/>
-            </a:pPr>
-            <a:r>
-              <a:rPr lang="en-GB" sz="1400" dirty="0">
-                <a:solidFill>
-                  <a:srgbClr val="F0533A"/>
-                </a:solidFill>
-                <a:latin typeface="medium-content-serif-font"/>
-              </a:rPr>
-              <a:t>target: </a:t>
-            </a:r>
-            <a:r>
-              <a:rPr lang="pl-PL" sz="1400" dirty="0">
-                <a:solidFill>
-                  <a:schemeClr val="tx1">
-                    <a:lumMod val="75000"/>
-                    <a:lumOff val="25000"/>
-                  </a:schemeClr>
-                </a:solidFill>
-                <a:latin typeface="medium-content-serif-font"/>
-              </a:rPr>
-              <a:t>h</a:t>
-            </a:r>
-            <a:r>
-              <a:rPr lang="en-GB" sz="1400" dirty="0" err="1">
-                <a:solidFill>
-                  <a:schemeClr val="tx1">
-                    <a:lumMod val="75000"/>
-                    <a:lumOff val="25000"/>
-                  </a:schemeClr>
-                </a:solidFill>
-                <a:latin typeface="medium-content-serif-font"/>
-              </a:rPr>
-              <a:t>eart</a:t>
-            </a:r>
-            <a:r>
-              <a:rPr lang="en-GB" sz="1400" dirty="0">
-                <a:solidFill>
-                  <a:schemeClr val="tx1">
-                    <a:lumMod val="75000"/>
-                    <a:lumOff val="25000"/>
-                  </a:schemeClr>
-                </a:solidFill>
-                <a:latin typeface="medium-content-serif-font"/>
-              </a:rPr>
-              <a:t> disease (0</a:t>
-            </a:r>
-            <a:r>
-              <a:rPr lang="pl-PL" sz="1400" dirty="0">
-                <a:solidFill>
-                  <a:schemeClr val="tx1">
-                    <a:lumMod val="75000"/>
-                    <a:lumOff val="25000"/>
-                  </a:schemeClr>
-                </a:solidFill>
-                <a:latin typeface="medium-content-serif-font"/>
-              </a:rPr>
-              <a:t>: </a:t>
-            </a:r>
-            <a:r>
-              <a:rPr lang="en-GB" sz="1400" dirty="0">
-                <a:solidFill>
-                  <a:schemeClr val="tx1">
-                    <a:lumMod val="75000"/>
-                    <a:lumOff val="25000"/>
-                  </a:schemeClr>
-                </a:solidFill>
-                <a:latin typeface="medium-content-serif-font"/>
-              </a:rPr>
-              <a:t>no, 1</a:t>
-            </a:r>
-            <a:r>
-              <a:rPr lang="pl-PL" sz="1400" dirty="0">
-                <a:solidFill>
-                  <a:schemeClr val="tx1">
-                    <a:lumMod val="75000"/>
-                    <a:lumOff val="25000"/>
-                  </a:schemeClr>
-                </a:solidFill>
-                <a:latin typeface="medium-content-serif-font"/>
-              </a:rPr>
-              <a:t>: </a:t>
-            </a:r>
-            <a:r>
-              <a:rPr lang="en-GB" sz="1400" dirty="0">
-                <a:solidFill>
-                  <a:schemeClr val="tx1">
-                    <a:lumMod val="75000"/>
-                    <a:lumOff val="25000"/>
-                  </a:schemeClr>
-                </a:solidFill>
-                <a:latin typeface="medium-content-serif-font"/>
-              </a:rPr>
-              <a:t>yes)</a:t>
-            </a:r>
-          </a:p>
-        </p:txBody>
-      </p:sp>
-      <p:sp>
-        <p:nvSpPr>
-          <p:cNvPr id="5" name="TextBox 4">
-            <a:extLst>
-              <a:ext uri="{FF2B5EF4-FFF2-40B4-BE49-F238E27FC236}">
-                <a16:creationId xmlns:a16="http://schemas.microsoft.com/office/drawing/2014/main" id="{65CDC416-336F-42DA-B71A-AF79E052FBAA}"/>
-              </a:ext>
-            </a:extLst>
-          </p:cNvPr>
-          <p:cNvSpPr txBox="1"/>
-          <p:nvPr/>
-        </p:nvSpPr>
-        <p:spPr>
-          <a:xfrm>
-            <a:off x="623392" y="6453336"/>
-            <a:ext cx="11305256" cy="246221"/>
-          </a:xfrm>
-          <a:prstGeom prst="rect">
-            <a:avLst/>
-          </a:prstGeom>
-          <a:noFill/>
-        </p:spPr>
-        <p:txBody>
-          <a:bodyPr wrap="square">
-            <a:spAutoFit/>
-          </a:bodyPr>
-          <a:lstStyle/>
-          <a:p>
-            <a:r>
-              <a:rPr lang="en-GB" sz="1000" dirty="0">
-                <a:solidFill>
-                  <a:schemeClr val="bg1">
-                    <a:lumMod val="65000"/>
-                  </a:schemeClr>
-                </a:solidFill>
-                <a:latin typeface="medium-content-serif-font"/>
-              </a:rPr>
-              <a:t>https://www.heart.org/en/health-topics/heart-attack/angina-chest-pain</a:t>
-            </a:r>
-          </a:p>
-        </p:txBody>
-      </p:sp>
-      <p:pic>
-        <p:nvPicPr>
-          <p:cNvPr id="8" name="Picture 7">
-            <a:extLst>
-              <a:ext uri="{FF2B5EF4-FFF2-40B4-BE49-F238E27FC236}">
-                <a16:creationId xmlns:a16="http://schemas.microsoft.com/office/drawing/2014/main" id="{B54C13EC-F6B7-4938-9661-EF32948EF990}"/>
-              </a:ext>
-            </a:extLst>
-          </p:cNvPr>
-          <p:cNvPicPr>
-            <a:picLocks noChangeAspect="1"/>
-          </p:cNvPicPr>
-          <p:nvPr/>
-        </p:nvPicPr>
-        <p:blipFill>
-          <a:blip r:embed="rId2"/>
-          <a:stretch>
-            <a:fillRect/>
-          </a:stretch>
-        </p:blipFill>
-        <p:spPr>
-          <a:xfrm>
-            <a:off x="695400" y="404664"/>
-            <a:ext cx="1333500" cy="276225"/>
-          </a:xfrm>
-          <a:prstGeom prst="rect">
-            <a:avLst/>
-          </a:prstGeom>
-        </p:spPr>
-      </p:pic>
-    </p:spTree>
-    <p:extLst>
-      <p:ext uri="{BB962C8B-B14F-4D97-AF65-F5344CB8AC3E}">
-        <p14:creationId xmlns:p14="http://schemas.microsoft.com/office/powerpoint/2010/main" val="788893845"/>
-      </p:ext>
-    </p:extLst>
-  </p:cSld>
-  <p:clrMapOvr>
-    <a:masterClrMapping/>
-  </p:clrMapOvr>
-  <mc:AlternateContent xmlns:mc="http://schemas.openxmlformats.org/markup-compatibility/2006" xmlns:p14="http://schemas.microsoft.com/office/powerpoint/2010/main">
-    <mc:Choice Requires="p14">
-      <p:transition spd="med" p14:dur="700">
-        <p:fade/>
-      </p:transition>
-    </mc:Choice>
-    <mc:Fallback xmlns="">
-      <p:transition spd="med">
-        <p:fade/>
-      </p:transition>
-    </mc:Fallback>
-  </mc:AlternateContent>
-</p:sld>
-</file>
-
-<file path=ppt/slides/slide28.xml><?xml version="1.0" encoding="utf-8"?>
-<p:sld xmlns:a="http://schemas.openxmlformats.org/drawingml/2006/main" xmlns:r="http://schemas.openxmlformats.org/officeDocument/2006/relationships" xmlns:p="http://schemas.openxmlformats.org/presentationml/2006/main">
-  <p:cSld>
-    <p:bg>
-      <p:bgPr>
-        <a:solidFill>
-          <a:srgbClr val="E0EDEF"/>
-        </a:solidFill>
-        <a:effectLst/>
-      </p:bgPr>
-    </p:bg>
-    <p:spTree>
-      <p:nvGrpSpPr>
-        <p:cNvPr id="1" name=""/>
-        <p:cNvGrpSpPr/>
-        <p:nvPr/>
-      </p:nvGrpSpPr>
-      <p:grpSpPr>
-        <a:xfrm>
-          <a:off x="0" y="0"/>
-          <a:ext cx="0" cy="0"/>
-          <a:chOff x="0" y="0"/>
-          <a:chExt cx="0" cy="0"/>
-        </a:xfrm>
-      </p:grpSpPr>
-      <p:sp>
-        <p:nvSpPr>
-          <p:cNvPr id="2" name="TextBox 1">
-            <a:extLst>
-              <a:ext uri="{FF2B5EF4-FFF2-40B4-BE49-F238E27FC236}">
-                <a16:creationId xmlns:a16="http://schemas.microsoft.com/office/drawing/2014/main" id="{5A0A62C1-E4A4-4039-84CF-616A69EB2352}"/>
-              </a:ext>
-            </a:extLst>
-          </p:cNvPr>
-          <p:cNvSpPr txBox="1"/>
-          <p:nvPr/>
-        </p:nvSpPr>
-        <p:spPr>
-          <a:xfrm>
-            <a:off x="734478" y="620688"/>
-            <a:ext cx="10186058" cy="646331"/>
-          </a:xfrm>
-          <a:prstGeom prst="rect">
-            <a:avLst/>
-          </a:prstGeom>
-          <a:noFill/>
-        </p:spPr>
-        <p:txBody>
-          <a:bodyPr wrap="square" rtlCol="0">
-            <a:spAutoFit/>
-          </a:bodyPr>
-          <a:lstStyle/>
-          <a:p>
-            <a:r>
-              <a:rPr lang="pl-PL" sz="3600" dirty="0" err="1">
-                <a:solidFill>
-                  <a:schemeClr val="tx1">
-                    <a:lumMod val="75000"/>
-                    <a:lumOff val="25000"/>
-                  </a:schemeClr>
-                </a:solidFill>
-                <a:latin typeface="medium-content-serif-font"/>
-              </a:rPr>
-              <a:t>Exploratory</a:t>
-            </a:r>
-            <a:r>
-              <a:rPr lang="pl-PL" sz="3600" dirty="0">
-                <a:solidFill>
-                  <a:schemeClr val="tx1">
-                    <a:lumMod val="75000"/>
-                    <a:lumOff val="25000"/>
-                  </a:schemeClr>
-                </a:solidFill>
-                <a:latin typeface="medium-content-serif-font"/>
-              </a:rPr>
-              <a:t> Data Analysis</a:t>
-            </a:r>
-            <a:endParaRPr lang="en-GB" sz="3600" dirty="0">
-              <a:solidFill>
-                <a:schemeClr val="tx1">
-                  <a:lumMod val="75000"/>
-                  <a:lumOff val="25000"/>
-                </a:schemeClr>
-              </a:solidFill>
-              <a:latin typeface="medium-content-serif-font"/>
-            </a:endParaRPr>
-          </a:p>
-        </p:txBody>
-      </p:sp>
-      <p:pic>
-        <p:nvPicPr>
-          <p:cNvPr id="4" name="Picture 3">
-            <a:extLst>
-              <a:ext uri="{FF2B5EF4-FFF2-40B4-BE49-F238E27FC236}">
-                <a16:creationId xmlns:a16="http://schemas.microsoft.com/office/drawing/2014/main" id="{952AFC51-6D84-4516-9BAB-C57B370D770B}"/>
-              </a:ext>
-            </a:extLst>
-          </p:cNvPr>
-          <p:cNvPicPr>
-            <a:picLocks noChangeAspect="1"/>
-          </p:cNvPicPr>
-          <p:nvPr/>
-        </p:nvPicPr>
-        <p:blipFill>
-          <a:blip r:embed="rId2"/>
-          <a:stretch>
-            <a:fillRect/>
-          </a:stretch>
-        </p:blipFill>
-        <p:spPr>
-          <a:xfrm>
-            <a:off x="623392" y="1556792"/>
-            <a:ext cx="7704856" cy="4945522"/>
-          </a:xfrm>
-          <a:prstGeom prst="rect">
-            <a:avLst/>
-          </a:prstGeom>
-        </p:spPr>
-      </p:pic>
-      <p:sp>
-        <p:nvSpPr>
-          <p:cNvPr id="5" name="Rectangle 4">
-            <a:extLst>
-              <a:ext uri="{FF2B5EF4-FFF2-40B4-BE49-F238E27FC236}">
-                <a16:creationId xmlns:a16="http://schemas.microsoft.com/office/drawing/2014/main" id="{731B706B-9842-48AE-BD4F-7E01D80F04AE}"/>
-              </a:ext>
-            </a:extLst>
-          </p:cNvPr>
-          <p:cNvSpPr/>
-          <p:nvPr/>
-        </p:nvSpPr>
-        <p:spPr>
-          <a:xfrm>
-            <a:off x="623392" y="1340768"/>
-            <a:ext cx="7704856" cy="216024"/>
-          </a:xfrm>
-          <a:prstGeom prst="rect">
-            <a:avLst/>
-          </a:prstGeom>
-          <a:solidFill>
-            <a:srgbClr val="FFFFFF"/>
-          </a:solidFill>
-          <a:ln>
-            <a:solidFill>
-              <a:srgbClr val="FFFFFF"/>
-            </a:solidFill>
-          </a:ln>
-        </p:spPr>
-        <p:style>
-          <a:lnRef idx="2">
-            <a:schemeClr val="accent1">
-              <a:shade val="50000"/>
-            </a:schemeClr>
-          </a:lnRef>
-          <a:fillRef idx="1">
-            <a:schemeClr val="accent1"/>
-          </a:fillRef>
-          <a:effectRef idx="0">
-            <a:schemeClr val="accent1"/>
-          </a:effectRef>
-          <a:fontRef idx="minor">
-            <a:schemeClr val="lt1"/>
-          </a:fontRef>
-        </p:style>
-        <p:txBody>
-          <a:bodyPr rtlCol="0" anchor="ctr"/>
-          <a:lstStyle/>
-          <a:p>
-            <a:pPr algn="ctr"/>
-            <a:endParaRPr lang="en-GB" dirty="0"/>
-          </a:p>
-        </p:txBody>
-      </p:sp>
-      <p:sp>
-        <p:nvSpPr>
-          <p:cNvPr id="3" name="TextBox 2">
-            <a:extLst>
-              <a:ext uri="{FF2B5EF4-FFF2-40B4-BE49-F238E27FC236}">
-                <a16:creationId xmlns:a16="http://schemas.microsoft.com/office/drawing/2014/main" id="{DF71B264-7522-447F-8966-5E8F3E2AAFC5}"/>
-              </a:ext>
-            </a:extLst>
-          </p:cNvPr>
-          <p:cNvSpPr txBox="1"/>
-          <p:nvPr/>
-        </p:nvSpPr>
-        <p:spPr>
-          <a:xfrm>
-            <a:off x="3863752" y="1340768"/>
-            <a:ext cx="1349793" cy="276999"/>
-          </a:xfrm>
-          <a:prstGeom prst="rect">
-            <a:avLst/>
-          </a:prstGeom>
-          <a:noFill/>
-        </p:spPr>
-        <p:txBody>
-          <a:bodyPr wrap="none" rtlCol="0">
-            <a:spAutoFit/>
-          </a:bodyPr>
-          <a:lstStyle/>
-          <a:p>
-            <a:r>
-              <a:rPr lang="pl-PL" sz="1200" dirty="0">
-                <a:solidFill>
-                  <a:schemeClr val="tx1">
-                    <a:lumMod val="75000"/>
-                    <a:lumOff val="25000"/>
-                  </a:schemeClr>
-                </a:solidFill>
-                <a:latin typeface="medium-content-serif-font"/>
-              </a:rPr>
-              <a:t>Target vs </a:t>
-            </a:r>
-            <a:r>
-              <a:rPr lang="pl-PL" sz="1200" dirty="0" err="1">
-                <a:solidFill>
-                  <a:schemeClr val="tx1">
-                    <a:lumMod val="75000"/>
-                    <a:lumOff val="25000"/>
-                  </a:schemeClr>
-                </a:solidFill>
-                <a:latin typeface="medium-content-serif-font"/>
-              </a:rPr>
-              <a:t>Features</a:t>
-            </a:r>
-            <a:r>
-              <a:rPr lang="pl-PL" sz="1200" dirty="0">
-                <a:solidFill>
-                  <a:schemeClr val="tx1">
-                    <a:lumMod val="75000"/>
-                    <a:lumOff val="25000"/>
-                  </a:schemeClr>
-                </a:solidFill>
-                <a:latin typeface="medium-content-serif-font"/>
-              </a:rPr>
-              <a:t>:</a:t>
-            </a:r>
-            <a:endParaRPr lang="en-GB" sz="1200" dirty="0">
-              <a:solidFill>
-                <a:schemeClr val="tx1">
-                  <a:lumMod val="75000"/>
-                  <a:lumOff val="25000"/>
-                </a:schemeClr>
-              </a:solidFill>
-              <a:latin typeface="medium-content-serif-font"/>
-            </a:endParaRPr>
-          </a:p>
-        </p:txBody>
-      </p:sp>
-      <p:sp>
-        <p:nvSpPr>
-          <p:cNvPr id="8" name="Rectangle 7">
-            <a:extLst>
-              <a:ext uri="{FF2B5EF4-FFF2-40B4-BE49-F238E27FC236}">
-                <a16:creationId xmlns:a16="http://schemas.microsoft.com/office/drawing/2014/main" id="{FA7EC84F-1B9E-48C6-B114-4BC7B4DF7867}"/>
-              </a:ext>
-            </a:extLst>
-          </p:cNvPr>
-          <p:cNvSpPr/>
-          <p:nvPr/>
-        </p:nvSpPr>
-        <p:spPr>
-          <a:xfrm>
-            <a:off x="623392" y="6381328"/>
-            <a:ext cx="7704856" cy="288032"/>
-          </a:xfrm>
-          <a:prstGeom prst="rect">
-            <a:avLst/>
-          </a:prstGeom>
-          <a:solidFill>
-            <a:srgbClr val="FFFFFF"/>
-          </a:solidFill>
-          <a:ln>
-            <a:noFill/>
-          </a:ln>
-        </p:spPr>
-        <p:style>
-          <a:lnRef idx="2">
-            <a:schemeClr val="accent1">
-              <a:shade val="50000"/>
-            </a:schemeClr>
-          </a:lnRef>
-          <a:fillRef idx="1">
-            <a:schemeClr val="accent1"/>
-          </a:fillRef>
-          <a:effectRef idx="0">
-            <a:schemeClr val="accent1"/>
-          </a:effectRef>
-          <a:fontRef idx="minor">
-            <a:schemeClr val="lt1"/>
-          </a:fontRef>
-        </p:style>
-        <p:txBody>
-          <a:bodyPr rtlCol="0" anchor="ctr"/>
-          <a:lstStyle/>
-          <a:p>
-            <a:pPr algn="ctr"/>
-            <a:endParaRPr lang="en-GB"/>
-          </a:p>
-        </p:txBody>
-      </p:sp>
-      <p:sp>
-        <p:nvSpPr>
-          <p:cNvPr id="10" name="Rectangle 9">
-            <a:extLst>
-              <a:ext uri="{FF2B5EF4-FFF2-40B4-BE49-F238E27FC236}">
-                <a16:creationId xmlns:a16="http://schemas.microsoft.com/office/drawing/2014/main" id="{1C136984-C0F9-458A-A76E-C6A836FB4D34}"/>
-              </a:ext>
-            </a:extLst>
-          </p:cNvPr>
-          <p:cNvSpPr/>
-          <p:nvPr/>
-        </p:nvSpPr>
-        <p:spPr>
-          <a:xfrm>
-            <a:off x="6384032" y="3861048"/>
-            <a:ext cx="432048" cy="216024"/>
-          </a:xfrm>
-          <a:prstGeom prst="rect">
-            <a:avLst/>
-          </a:prstGeom>
-          <a:solidFill>
-            <a:srgbClr val="FFFFFF"/>
-          </a:solidFill>
-          <a:ln>
-            <a:noFill/>
-          </a:ln>
-        </p:spPr>
-        <p:style>
-          <a:lnRef idx="2">
-            <a:schemeClr val="accent1">
-              <a:shade val="50000"/>
-            </a:schemeClr>
-          </a:lnRef>
-          <a:fillRef idx="1">
-            <a:schemeClr val="accent1"/>
-          </a:fillRef>
-          <a:effectRef idx="0">
-            <a:schemeClr val="accent1"/>
-          </a:effectRef>
-          <a:fontRef idx="minor">
-            <a:schemeClr val="lt1"/>
-          </a:fontRef>
-        </p:style>
-        <p:txBody>
-          <a:bodyPr rtlCol="0" anchor="ctr"/>
-          <a:lstStyle/>
-          <a:p>
-            <a:pPr algn="ctr"/>
-            <a:endParaRPr lang="en-GB"/>
-          </a:p>
-        </p:txBody>
-      </p:sp>
-      <p:sp>
-        <p:nvSpPr>
-          <p:cNvPr id="12" name="Rectangle 11">
-            <a:extLst>
-              <a:ext uri="{FF2B5EF4-FFF2-40B4-BE49-F238E27FC236}">
-                <a16:creationId xmlns:a16="http://schemas.microsoft.com/office/drawing/2014/main" id="{2EE294C7-4CFE-41B7-9D86-CCFBA1D938D7}"/>
-              </a:ext>
-            </a:extLst>
-          </p:cNvPr>
-          <p:cNvSpPr/>
-          <p:nvPr/>
-        </p:nvSpPr>
-        <p:spPr>
-          <a:xfrm>
-            <a:off x="2423592" y="3789040"/>
-            <a:ext cx="432048" cy="216024"/>
-          </a:xfrm>
-          <a:prstGeom prst="rect">
-            <a:avLst/>
-          </a:prstGeom>
-          <a:solidFill>
-            <a:srgbClr val="FFFFFF"/>
-          </a:solidFill>
-          <a:ln>
-            <a:noFill/>
-          </a:ln>
-        </p:spPr>
-        <p:style>
-          <a:lnRef idx="2">
-            <a:schemeClr val="accent1">
-              <a:shade val="50000"/>
-            </a:schemeClr>
-          </a:lnRef>
-          <a:fillRef idx="1">
-            <a:schemeClr val="accent1"/>
-          </a:fillRef>
-          <a:effectRef idx="0">
-            <a:schemeClr val="accent1"/>
-          </a:effectRef>
-          <a:fontRef idx="minor">
-            <a:schemeClr val="lt1"/>
-          </a:fontRef>
-        </p:style>
-        <p:txBody>
-          <a:bodyPr rtlCol="0" anchor="ctr"/>
-          <a:lstStyle/>
-          <a:p>
-            <a:pPr algn="ctr"/>
-            <a:endParaRPr lang="en-GB"/>
-          </a:p>
-        </p:txBody>
-      </p:sp>
-      <p:pic>
-        <p:nvPicPr>
-          <p:cNvPr id="14" name="Picture 13">
-            <a:extLst>
-              <a:ext uri="{FF2B5EF4-FFF2-40B4-BE49-F238E27FC236}">
-                <a16:creationId xmlns:a16="http://schemas.microsoft.com/office/drawing/2014/main" id="{F3383984-BA1D-4225-A70C-9C813DB39252}"/>
-              </a:ext>
-            </a:extLst>
-          </p:cNvPr>
-          <p:cNvPicPr>
-            <a:picLocks noChangeAspect="1"/>
-          </p:cNvPicPr>
-          <p:nvPr/>
-        </p:nvPicPr>
-        <p:blipFill>
-          <a:blip r:embed="rId3"/>
-          <a:stretch>
-            <a:fillRect/>
-          </a:stretch>
-        </p:blipFill>
-        <p:spPr>
-          <a:xfrm>
-            <a:off x="695400" y="404664"/>
-            <a:ext cx="1333500" cy="276225"/>
-          </a:xfrm>
-          <a:prstGeom prst="rect">
-            <a:avLst/>
-          </a:prstGeom>
-        </p:spPr>
-      </p:pic>
-      <p:sp>
-        <p:nvSpPr>
-          <p:cNvPr id="6" name="Rectangle 5">
-            <a:extLst>
-              <a:ext uri="{FF2B5EF4-FFF2-40B4-BE49-F238E27FC236}">
-                <a16:creationId xmlns:a16="http://schemas.microsoft.com/office/drawing/2014/main" id="{7A0573B8-195A-42F2-9A59-CBDF4119E911}"/>
-              </a:ext>
-            </a:extLst>
-          </p:cNvPr>
-          <p:cNvSpPr/>
-          <p:nvPr/>
-        </p:nvSpPr>
-        <p:spPr>
-          <a:xfrm>
-            <a:off x="6528048" y="1340768"/>
-            <a:ext cx="432048" cy="144016"/>
-          </a:xfrm>
-          <a:prstGeom prst="rect">
-            <a:avLst/>
-          </a:prstGeom>
-          <a:solidFill>
-            <a:srgbClr val="EAAF87"/>
-          </a:solidFill>
-          <a:ln>
-            <a:solidFill>
-              <a:srgbClr val="EAAF87"/>
-            </a:solidFill>
-          </a:ln>
-        </p:spPr>
-        <p:style>
-          <a:lnRef idx="2">
-            <a:schemeClr val="accent1">
-              <a:shade val="50000"/>
-            </a:schemeClr>
-          </a:lnRef>
-          <a:fillRef idx="1">
-            <a:schemeClr val="accent1"/>
-          </a:fillRef>
-          <a:effectRef idx="0">
-            <a:schemeClr val="accent1"/>
-          </a:effectRef>
-          <a:fontRef idx="minor">
-            <a:schemeClr val="lt1"/>
-          </a:fontRef>
-        </p:style>
-        <p:txBody>
-          <a:bodyPr rtlCol="0" anchor="ctr"/>
-          <a:lstStyle/>
-          <a:p>
-            <a:pPr algn="ctr"/>
-            <a:endParaRPr lang="en-GB"/>
-          </a:p>
-        </p:txBody>
-      </p:sp>
-      <p:sp>
-        <p:nvSpPr>
-          <p:cNvPr id="7" name="Rectangle 6">
-            <a:extLst>
-              <a:ext uri="{FF2B5EF4-FFF2-40B4-BE49-F238E27FC236}">
-                <a16:creationId xmlns:a16="http://schemas.microsoft.com/office/drawing/2014/main" id="{081FDB2C-47C8-44BE-99C8-88013A81B896}"/>
-              </a:ext>
-            </a:extLst>
-          </p:cNvPr>
-          <p:cNvSpPr/>
-          <p:nvPr/>
-        </p:nvSpPr>
-        <p:spPr>
-          <a:xfrm>
-            <a:off x="6528048" y="1556792"/>
-            <a:ext cx="432048" cy="152400"/>
-          </a:xfrm>
-          <a:prstGeom prst="rect">
-            <a:avLst/>
-          </a:prstGeom>
-          <a:solidFill>
-            <a:srgbClr val="6071A3"/>
-          </a:solidFill>
-          <a:ln>
-            <a:solidFill>
-              <a:srgbClr val="6071A3"/>
-            </a:solidFill>
-          </a:ln>
-        </p:spPr>
-        <p:style>
-          <a:lnRef idx="2">
-            <a:schemeClr val="accent1">
-              <a:shade val="50000"/>
-            </a:schemeClr>
-          </a:lnRef>
-          <a:fillRef idx="1">
-            <a:schemeClr val="accent1"/>
-          </a:fillRef>
-          <a:effectRef idx="0">
-            <a:schemeClr val="accent1"/>
-          </a:effectRef>
-          <a:fontRef idx="minor">
-            <a:schemeClr val="lt1"/>
-          </a:fontRef>
-        </p:style>
-        <p:txBody>
-          <a:bodyPr rtlCol="0" anchor="ctr"/>
-          <a:lstStyle/>
-          <a:p>
-            <a:pPr algn="ctr"/>
-            <a:endParaRPr lang="en-GB"/>
-          </a:p>
-        </p:txBody>
-      </p:sp>
-      <p:sp>
-        <p:nvSpPr>
-          <p:cNvPr id="9" name="TextBox 8">
-            <a:extLst>
-              <a:ext uri="{FF2B5EF4-FFF2-40B4-BE49-F238E27FC236}">
-                <a16:creationId xmlns:a16="http://schemas.microsoft.com/office/drawing/2014/main" id="{514A67C9-64D5-4112-A317-ACABC9CA27BE}"/>
-              </a:ext>
-            </a:extLst>
-          </p:cNvPr>
-          <p:cNvSpPr txBox="1"/>
-          <p:nvPr/>
-        </p:nvSpPr>
-        <p:spPr>
-          <a:xfrm>
-            <a:off x="6960096" y="1268760"/>
-            <a:ext cx="891591" cy="246221"/>
-          </a:xfrm>
-          <a:prstGeom prst="rect">
-            <a:avLst/>
-          </a:prstGeom>
-          <a:noFill/>
-        </p:spPr>
-        <p:txBody>
-          <a:bodyPr wrap="none" rtlCol="0">
-            <a:spAutoFit/>
-          </a:bodyPr>
-          <a:lstStyle/>
-          <a:p>
-            <a:r>
-              <a:rPr lang="pl-PL" sz="1000" dirty="0" err="1">
-                <a:solidFill>
-                  <a:schemeClr val="bg2">
-                    <a:lumMod val="50000"/>
-                  </a:schemeClr>
-                </a:solidFill>
-                <a:latin typeface="medium-content-serif-font"/>
-              </a:rPr>
-              <a:t>Heart</a:t>
-            </a:r>
-            <a:r>
-              <a:rPr lang="pl-PL" sz="1000" dirty="0">
-                <a:solidFill>
-                  <a:schemeClr val="bg2">
-                    <a:lumMod val="50000"/>
-                  </a:schemeClr>
-                </a:solidFill>
-                <a:latin typeface="medium-content-serif-font"/>
-              </a:rPr>
-              <a:t> </a:t>
-            </a:r>
-            <a:r>
-              <a:rPr lang="pl-PL" sz="1000" dirty="0" err="1">
-                <a:solidFill>
-                  <a:schemeClr val="bg2">
-                    <a:lumMod val="50000"/>
-                  </a:schemeClr>
-                </a:solidFill>
-                <a:latin typeface="medium-content-serif-font"/>
-              </a:rPr>
-              <a:t>disease</a:t>
-            </a:r>
-            <a:endParaRPr lang="en-GB" sz="1000" dirty="0">
-              <a:solidFill>
-                <a:schemeClr val="bg2">
-                  <a:lumMod val="50000"/>
-                </a:schemeClr>
-              </a:solidFill>
-              <a:latin typeface="medium-content-serif-font"/>
-            </a:endParaRPr>
-          </a:p>
-        </p:txBody>
-      </p:sp>
-      <p:sp>
-        <p:nvSpPr>
-          <p:cNvPr id="13" name="TextBox 12">
-            <a:extLst>
-              <a:ext uri="{FF2B5EF4-FFF2-40B4-BE49-F238E27FC236}">
-                <a16:creationId xmlns:a16="http://schemas.microsoft.com/office/drawing/2014/main" id="{138E486C-A0D9-44F4-A2B1-46403CDC31BA}"/>
-              </a:ext>
-            </a:extLst>
-          </p:cNvPr>
-          <p:cNvSpPr txBox="1"/>
-          <p:nvPr/>
-        </p:nvSpPr>
-        <p:spPr>
-          <a:xfrm>
-            <a:off x="6960096" y="1484784"/>
-            <a:ext cx="1058303" cy="246221"/>
-          </a:xfrm>
-          <a:prstGeom prst="rect">
-            <a:avLst/>
-          </a:prstGeom>
-          <a:noFill/>
-        </p:spPr>
-        <p:txBody>
-          <a:bodyPr wrap="none" rtlCol="0">
-            <a:spAutoFit/>
-          </a:bodyPr>
-          <a:lstStyle/>
-          <a:p>
-            <a:r>
-              <a:rPr lang="pl-PL" sz="1000" dirty="0">
-                <a:solidFill>
-                  <a:schemeClr val="bg2">
-                    <a:lumMod val="50000"/>
-                  </a:schemeClr>
-                </a:solidFill>
-                <a:latin typeface="medium-content-serif-font"/>
-              </a:rPr>
-              <a:t>No </a:t>
-            </a:r>
-            <a:r>
-              <a:rPr lang="pl-PL" sz="1000" dirty="0" err="1">
-                <a:solidFill>
-                  <a:schemeClr val="bg2">
-                    <a:lumMod val="50000"/>
-                  </a:schemeClr>
-                </a:solidFill>
-                <a:latin typeface="medium-content-serif-font"/>
-              </a:rPr>
-              <a:t>heart</a:t>
-            </a:r>
-            <a:r>
-              <a:rPr lang="pl-PL" sz="1000" dirty="0">
-                <a:solidFill>
-                  <a:schemeClr val="bg2">
-                    <a:lumMod val="50000"/>
-                  </a:schemeClr>
-                </a:solidFill>
-                <a:latin typeface="medium-content-serif-font"/>
-              </a:rPr>
-              <a:t> </a:t>
-            </a:r>
-            <a:r>
-              <a:rPr lang="pl-PL" sz="1000" dirty="0" err="1">
-                <a:solidFill>
-                  <a:schemeClr val="bg2">
-                    <a:lumMod val="50000"/>
-                  </a:schemeClr>
-                </a:solidFill>
-                <a:latin typeface="medium-content-serif-font"/>
-              </a:rPr>
-              <a:t>disease</a:t>
-            </a:r>
-            <a:endParaRPr lang="en-GB" sz="1000" dirty="0">
-              <a:solidFill>
-                <a:schemeClr val="bg2">
-                  <a:lumMod val="50000"/>
-                </a:schemeClr>
-              </a:solidFill>
-              <a:latin typeface="medium-content-serif-font"/>
-            </a:endParaRPr>
-          </a:p>
-        </p:txBody>
-      </p:sp>
-    </p:spTree>
-    <p:extLst>
-      <p:ext uri="{BB962C8B-B14F-4D97-AF65-F5344CB8AC3E}">
-        <p14:creationId xmlns:p14="http://schemas.microsoft.com/office/powerpoint/2010/main" val="3858473638"/>
       </p:ext>
     </p:extLst>
   </p:cSld>
